--- a/img/schematic.pptx
+++ b/img/schematic.pptx
@@ -104,6 +104,37 @@
       </a:defRPr>
     </a:lvl9pPr>
   </p:defaultTextStyle>
+  <p:extLst>
+    <p:ext uri="{EFAFB233-063F-42B5-8137-9DF3F51BA10A}">
+      <p15:sldGuideLst xmlns:p15="http://schemas.microsoft.com/office/powerpoint/2012/main">
+        <p15:guide id="1" orient="horz" pos="432" userDrawn="1">
+          <p15:clr>
+            <a:srgbClr val="A4A3A4"/>
+          </p15:clr>
+        </p15:guide>
+        <p15:guide id="2" pos="960" userDrawn="1">
+          <p15:clr>
+            <a:srgbClr val="A4A3A4"/>
+          </p15:clr>
+        </p15:guide>
+        <p15:guide id="3" pos="6720" userDrawn="1">
+          <p15:clr>
+            <a:srgbClr val="A4A3A4"/>
+          </p15:clr>
+        </p15:guide>
+        <p15:guide id="4" orient="horz" pos="3888" userDrawn="1">
+          <p15:clr>
+            <a:srgbClr val="A4A3A4"/>
+          </p15:clr>
+        </p15:guide>
+        <p15:guide id="5" pos="3840" userDrawn="1">
+          <p15:clr>
+            <a:srgbClr val="A4A3A4"/>
+          </p15:clr>
+        </p15:guide>
+      </p15:sldGuideLst>
+    </p:ext>
+  </p:extLst>
 </p:presentation>
 </file>
 
@@ -129,7 +160,7 @@
           <p:cNvPr id="2" name="Title 1">
             <a:extLst>
               <a:ext uri="{FF2B5EF4-FFF2-40B4-BE49-F238E27FC236}">
-                <a16:creationId xmlns:a16="http://schemas.microsoft.com/office/drawing/2014/main" id="{4CD96836-0D22-BA47-A2DB-55EB5F83FE31}"/>
+                <a16:creationId xmlns:a16="http://schemas.microsoft.com/office/drawing/2014/main" id="{55A63154-65E1-1147-B686-7ABE3C0B59EC}"/>
               </a:ext>
             </a:extLst>
           </p:cNvPr>
@@ -166,7 +197,7 @@
           <p:cNvPr id="3" name="Subtitle 2">
             <a:extLst>
               <a:ext uri="{FF2B5EF4-FFF2-40B4-BE49-F238E27FC236}">
-                <a16:creationId xmlns:a16="http://schemas.microsoft.com/office/drawing/2014/main" id="{73E1831D-1213-6543-B79F-216A3BAF10FE}"/>
+                <a16:creationId xmlns:a16="http://schemas.microsoft.com/office/drawing/2014/main" id="{2E9573FA-BB76-DD4D-96D9-BB83AEA78FEC}"/>
               </a:ext>
             </a:extLst>
           </p:cNvPr>
@@ -236,7 +267,7 @@
           <p:cNvPr id="4" name="Date Placeholder 3">
             <a:extLst>
               <a:ext uri="{FF2B5EF4-FFF2-40B4-BE49-F238E27FC236}">
-                <a16:creationId xmlns:a16="http://schemas.microsoft.com/office/drawing/2014/main" id="{2DD5343D-BFCC-4448-9C09-9E798A23788C}"/>
+                <a16:creationId xmlns:a16="http://schemas.microsoft.com/office/drawing/2014/main" id="{2A0E6FEF-6153-2844-BA57-A338F766B3C8}"/>
               </a:ext>
             </a:extLst>
           </p:cNvPr>
@@ -252,9 +283,9 @@
           <a:bodyPr/>
           <a:lstStyle/>
           <a:p>
-            <a:fld id="{B7A22693-C9FC-454D-BC5F-AD6465AB0458}" type="datetimeFigureOut">
+            <a:fld id="{9E45FE34-4D7E-D046-9D0C-58108319F6CE}" type="datetimeFigureOut">
               <a:rPr lang="en-US" smtClean="0"/>
-              <a:t>8/9/19</a:t>
+              <a:t>8/11/19</a:t>
             </a:fld>
             <a:endParaRPr lang="en-US"/>
           </a:p>
@@ -265,7 +296,7 @@
           <p:cNvPr id="5" name="Footer Placeholder 4">
             <a:extLst>
               <a:ext uri="{FF2B5EF4-FFF2-40B4-BE49-F238E27FC236}">
-                <a16:creationId xmlns:a16="http://schemas.microsoft.com/office/drawing/2014/main" id="{B5ED53B5-A7F3-434A-81A3-FC98A091C0C9}"/>
+                <a16:creationId xmlns:a16="http://schemas.microsoft.com/office/drawing/2014/main" id="{9548ADCB-BA31-5047-B705-6D46C9799700}"/>
               </a:ext>
             </a:extLst>
           </p:cNvPr>
@@ -290,7 +321,7 @@
           <p:cNvPr id="6" name="Slide Number Placeholder 5">
             <a:extLst>
               <a:ext uri="{FF2B5EF4-FFF2-40B4-BE49-F238E27FC236}">
-                <a16:creationId xmlns:a16="http://schemas.microsoft.com/office/drawing/2014/main" id="{4DA5DB60-3625-EA43-867C-BA231828D772}"/>
+                <a16:creationId xmlns:a16="http://schemas.microsoft.com/office/drawing/2014/main" id="{7D3F61E4-251E-4441-8711-755F63169876}"/>
               </a:ext>
             </a:extLst>
           </p:cNvPr>
@@ -306,7 +337,7 @@
           <a:bodyPr/>
           <a:lstStyle/>
           <a:p>
-            <a:fld id="{45A78CF3-245D-8946-A3AA-37CBF4F56A42}" type="slidenum">
+            <a:fld id="{9C996F9E-8F63-ED4F-8822-5484A276DC15}" type="slidenum">
               <a:rPr lang="en-US" smtClean="0"/>
               <a:t>‹#›</a:t>
             </a:fld>
@@ -317,7 +348,7 @@
     </p:spTree>
     <p:extLst>
       <p:ext uri="{BB962C8B-B14F-4D97-AF65-F5344CB8AC3E}">
-        <p14:creationId xmlns:p14="http://schemas.microsoft.com/office/powerpoint/2010/main" val="3828519768"/>
+        <p14:creationId xmlns:p14="http://schemas.microsoft.com/office/powerpoint/2010/main" val="2193501706"/>
       </p:ext>
     </p:extLst>
   </p:cSld>
@@ -349,7 +380,7 @@
           <p:cNvPr id="2" name="Title 1">
             <a:extLst>
               <a:ext uri="{FF2B5EF4-FFF2-40B4-BE49-F238E27FC236}">
-                <a16:creationId xmlns:a16="http://schemas.microsoft.com/office/drawing/2014/main" id="{296AA5A6-D686-6C40-8D3A-5DAA9EA6CF6A}"/>
+                <a16:creationId xmlns:a16="http://schemas.microsoft.com/office/drawing/2014/main" id="{F47E24C2-E4F7-0A41-BDB8-FF9D835D1CC3}"/>
               </a:ext>
             </a:extLst>
           </p:cNvPr>
@@ -377,7 +408,7 @@
           <p:cNvPr id="3" name="Vertical Text Placeholder 2">
             <a:extLst>
               <a:ext uri="{FF2B5EF4-FFF2-40B4-BE49-F238E27FC236}">
-                <a16:creationId xmlns:a16="http://schemas.microsoft.com/office/drawing/2014/main" id="{68C62457-A1CC-DC44-8AFB-E22EE70004C5}"/>
+                <a16:creationId xmlns:a16="http://schemas.microsoft.com/office/drawing/2014/main" id="{5F4C484B-362E-3F41-A4D3-E71EED9A5A2E}"/>
               </a:ext>
             </a:extLst>
           </p:cNvPr>
@@ -434,7 +465,7 @@
           <p:cNvPr id="4" name="Date Placeholder 3">
             <a:extLst>
               <a:ext uri="{FF2B5EF4-FFF2-40B4-BE49-F238E27FC236}">
-                <a16:creationId xmlns:a16="http://schemas.microsoft.com/office/drawing/2014/main" id="{E0817D25-8A52-444E-993F-F4A7736493A7}"/>
+                <a16:creationId xmlns:a16="http://schemas.microsoft.com/office/drawing/2014/main" id="{37C742D7-8B7D-454A-B9B7-BC3F69760937}"/>
               </a:ext>
             </a:extLst>
           </p:cNvPr>
@@ -450,9 +481,9 @@
           <a:bodyPr/>
           <a:lstStyle/>
           <a:p>
-            <a:fld id="{B7A22693-C9FC-454D-BC5F-AD6465AB0458}" type="datetimeFigureOut">
+            <a:fld id="{9E45FE34-4D7E-D046-9D0C-58108319F6CE}" type="datetimeFigureOut">
               <a:rPr lang="en-US" smtClean="0"/>
-              <a:t>8/9/19</a:t>
+              <a:t>8/11/19</a:t>
             </a:fld>
             <a:endParaRPr lang="en-US"/>
           </a:p>
@@ -463,7 +494,7 @@
           <p:cNvPr id="5" name="Footer Placeholder 4">
             <a:extLst>
               <a:ext uri="{FF2B5EF4-FFF2-40B4-BE49-F238E27FC236}">
-                <a16:creationId xmlns:a16="http://schemas.microsoft.com/office/drawing/2014/main" id="{2997F47E-564B-1249-B84D-28F34F0356A9}"/>
+                <a16:creationId xmlns:a16="http://schemas.microsoft.com/office/drawing/2014/main" id="{791DDEEA-B4B1-7F4A-8E68-442BDF190312}"/>
               </a:ext>
             </a:extLst>
           </p:cNvPr>
@@ -488,7 +519,7 @@
           <p:cNvPr id="6" name="Slide Number Placeholder 5">
             <a:extLst>
               <a:ext uri="{FF2B5EF4-FFF2-40B4-BE49-F238E27FC236}">
-                <a16:creationId xmlns:a16="http://schemas.microsoft.com/office/drawing/2014/main" id="{F82541A8-E062-F64D-A297-D44AF0C7D73B}"/>
+                <a16:creationId xmlns:a16="http://schemas.microsoft.com/office/drawing/2014/main" id="{C7B72470-50FD-9249-B47B-7EAD8BEF0825}"/>
               </a:ext>
             </a:extLst>
           </p:cNvPr>
@@ -504,7 +535,7 @@
           <a:bodyPr/>
           <a:lstStyle/>
           <a:p>
-            <a:fld id="{45A78CF3-245D-8946-A3AA-37CBF4F56A42}" type="slidenum">
+            <a:fld id="{9C996F9E-8F63-ED4F-8822-5484A276DC15}" type="slidenum">
               <a:rPr lang="en-US" smtClean="0"/>
               <a:t>‹#›</a:t>
             </a:fld>
@@ -515,7 +546,7 @@
     </p:spTree>
     <p:extLst>
       <p:ext uri="{BB962C8B-B14F-4D97-AF65-F5344CB8AC3E}">
-        <p14:creationId xmlns:p14="http://schemas.microsoft.com/office/powerpoint/2010/main" val="2990539478"/>
+        <p14:creationId xmlns:p14="http://schemas.microsoft.com/office/powerpoint/2010/main" val="1785511575"/>
       </p:ext>
     </p:extLst>
   </p:cSld>
@@ -547,7 +578,7 @@
           <p:cNvPr id="2" name="Vertical Title 1">
             <a:extLst>
               <a:ext uri="{FF2B5EF4-FFF2-40B4-BE49-F238E27FC236}">
-                <a16:creationId xmlns:a16="http://schemas.microsoft.com/office/drawing/2014/main" id="{16ED03E1-262C-894F-BDA9-A39F9D02E30C}"/>
+                <a16:creationId xmlns:a16="http://schemas.microsoft.com/office/drawing/2014/main" id="{1D827B0E-B01B-E146-BA3F-FF0CBDA24A77}"/>
               </a:ext>
             </a:extLst>
           </p:cNvPr>
@@ -580,7 +611,7 @@
           <p:cNvPr id="3" name="Vertical Text Placeholder 2">
             <a:extLst>
               <a:ext uri="{FF2B5EF4-FFF2-40B4-BE49-F238E27FC236}">
-                <a16:creationId xmlns:a16="http://schemas.microsoft.com/office/drawing/2014/main" id="{6FDED2EA-67A6-1141-AA33-8FCBA964DFA3}"/>
+                <a16:creationId xmlns:a16="http://schemas.microsoft.com/office/drawing/2014/main" id="{3749F462-C60E-BA4C-BAC5-33103832388D}"/>
               </a:ext>
             </a:extLst>
           </p:cNvPr>
@@ -642,7 +673,7 @@
           <p:cNvPr id="4" name="Date Placeholder 3">
             <a:extLst>
               <a:ext uri="{FF2B5EF4-FFF2-40B4-BE49-F238E27FC236}">
-                <a16:creationId xmlns:a16="http://schemas.microsoft.com/office/drawing/2014/main" id="{169E2511-FB29-E94C-A60C-EE82A3F7396F}"/>
+                <a16:creationId xmlns:a16="http://schemas.microsoft.com/office/drawing/2014/main" id="{EA77A60B-74BA-EF46-8CAD-EAD0757DE01F}"/>
               </a:ext>
             </a:extLst>
           </p:cNvPr>
@@ -658,9 +689,9 @@
           <a:bodyPr/>
           <a:lstStyle/>
           <a:p>
-            <a:fld id="{B7A22693-C9FC-454D-BC5F-AD6465AB0458}" type="datetimeFigureOut">
+            <a:fld id="{9E45FE34-4D7E-D046-9D0C-58108319F6CE}" type="datetimeFigureOut">
               <a:rPr lang="en-US" smtClean="0"/>
-              <a:t>8/9/19</a:t>
+              <a:t>8/11/19</a:t>
             </a:fld>
             <a:endParaRPr lang="en-US"/>
           </a:p>
@@ -671,7 +702,7 @@
           <p:cNvPr id="5" name="Footer Placeholder 4">
             <a:extLst>
               <a:ext uri="{FF2B5EF4-FFF2-40B4-BE49-F238E27FC236}">
-                <a16:creationId xmlns:a16="http://schemas.microsoft.com/office/drawing/2014/main" id="{C3CD7833-DFF0-5741-BDB8-00137671F6AC}"/>
+                <a16:creationId xmlns:a16="http://schemas.microsoft.com/office/drawing/2014/main" id="{5C86004F-AC85-2F43-8AAE-C9333E769C2F}"/>
               </a:ext>
             </a:extLst>
           </p:cNvPr>
@@ -696,7 +727,7 @@
           <p:cNvPr id="6" name="Slide Number Placeholder 5">
             <a:extLst>
               <a:ext uri="{FF2B5EF4-FFF2-40B4-BE49-F238E27FC236}">
-                <a16:creationId xmlns:a16="http://schemas.microsoft.com/office/drawing/2014/main" id="{27055641-A3CE-1047-A0CD-999103B1A21F}"/>
+                <a16:creationId xmlns:a16="http://schemas.microsoft.com/office/drawing/2014/main" id="{29ECE1E8-68F1-7843-B48C-F6FBF4ABBE24}"/>
               </a:ext>
             </a:extLst>
           </p:cNvPr>
@@ -712,7 +743,7 @@
           <a:bodyPr/>
           <a:lstStyle/>
           <a:p>
-            <a:fld id="{45A78CF3-245D-8946-A3AA-37CBF4F56A42}" type="slidenum">
+            <a:fld id="{9C996F9E-8F63-ED4F-8822-5484A276DC15}" type="slidenum">
               <a:rPr lang="en-US" smtClean="0"/>
               <a:t>‹#›</a:t>
             </a:fld>
@@ -723,7 +754,7 @@
     </p:spTree>
     <p:extLst>
       <p:ext uri="{BB962C8B-B14F-4D97-AF65-F5344CB8AC3E}">
-        <p14:creationId xmlns:p14="http://schemas.microsoft.com/office/powerpoint/2010/main" val="2670417813"/>
+        <p14:creationId xmlns:p14="http://schemas.microsoft.com/office/powerpoint/2010/main" val="3775491567"/>
       </p:ext>
     </p:extLst>
   </p:cSld>
@@ -755,7 +786,7 @@
           <p:cNvPr id="2" name="Title 1">
             <a:extLst>
               <a:ext uri="{FF2B5EF4-FFF2-40B4-BE49-F238E27FC236}">
-                <a16:creationId xmlns:a16="http://schemas.microsoft.com/office/drawing/2014/main" id="{D522A064-432B-8E40-B4A7-52B8D6961AE9}"/>
+                <a16:creationId xmlns:a16="http://schemas.microsoft.com/office/drawing/2014/main" id="{179E6BCE-A87F-9F4C-B5E9-4A479A253F33}"/>
               </a:ext>
             </a:extLst>
           </p:cNvPr>
@@ -783,7 +814,7 @@
           <p:cNvPr id="3" name="Content Placeholder 2">
             <a:extLst>
               <a:ext uri="{FF2B5EF4-FFF2-40B4-BE49-F238E27FC236}">
-                <a16:creationId xmlns:a16="http://schemas.microsoft.com/office/drawing/2014/main" id="{2DC22710-FF3E-6544-AA67-D8A298D5B3B7}"/>
+                <a16:creationId xmlns:a16="http://schemas.microsoft.com/office/drawing/2014/main" id="{C6345304-E431-FE4F-B282-1D95C2C87D31}"/>
               </a:ext>
             </a:extLst>
           </p:cNvPr>
@@ -840,7 +871,7 @@
           <p:cNvPr id="4" name="Date Placeholder 3">
             <a:extLst>
               <a:ext uri="{FF2B5EF4-FFF2-40B4-BE49-F238E27FC236}">
-                <a16:creationId xmlns:a16="http://schemas.microsoft.com/office/drawing/2014/main" id="{DF8CE609-5F91-6E41-BF89-CAB7CCBDB050}"/>
+                <a16:creationId xmlns:a16="http://schemas.microsoft.com/office/drawing/2014/main" id="{EDA03B7C-2F96-A54B-BD8D-B1F953FF5B96}"/>
               </a:ext>
             </a:extLst>
           </p:cNvPr>
@@ -856,9 +887,9 @@
           <a:bodyPr/>
           <a:lstStyle/>
           <a:p>
-            <a:fld id="{B7A22693-C9FC-454D-BC5F-AD6465AB0458}" type="datetimeFigureOut">
+            <a:fld id="{9E45FE34-4D7E-D046-9D0C-58108319F6CE}" type="datetimeFigureOut">
               <a:rPr lang="en-US" smtClean="0"/>
-              <a:t>8/9/19</a:t>
+              <a:t>8/11/19</a:t>
             </a:fld>
             <a:endParaRPr lang="en-US"/>
           </a:p>
@@ -869,7 +900,7 @@
           <p:cNvPr id="5" name="Footer Placeholder 4">
             <a:extLst>
               <a:ext uri="{FF2B5EF4-FFF2-40B4-BE49-F238E27FC236}">
-                <a16:creationId xmlns:a16="http://schemas.microsoft.com/office/drawing/2014/main" id="{D94B5A98-158C-5148-91CE-549541ED81F9}"/>
+                <a16:creationId xmlns:a16="http://schemas.microsoft.com/office/drawing/2014/main" id="{7A5C2EF4-877B-1946-8702-1EDBE276F329}"/>
               </a:ext>
             </a:extLst>
           </p:cNvPr>
@@ -894,7 +925,7 @@
           <p:cNvPr id="6" name="Slide Number Placeholder 5">
             <a:extLst>
               <a:ext uri="{FF2B5EF4-FFF2-40B4-BE49-F238E27FC236}">
-                <a16:creationId xmlns:a16="http://schemas.microsoft.com/office/drawing/2014/main" id="{51678DEE-468B-8A40-A55D-B8E770C1C8AB}"/>
+                <a16:creationId xmlns:a16="http://schemas.microsoft.com/office/drawing/2014/main" id="{DE5DD6B8-7D3B-B243-A896-7DAA30B26CC4}"/>
               </a:ext>
             </a:extLst>
           </p:cNvPr>
@@ -910,7 +941,7 @@
           <a:bodyPr/>
           <a:lstStyle/>
           <a:p>
-            <a:fld id="{45A78CF3-245D-8946-A3AA-37CBF4F56A42}" type="slidenum">
+            <a:fld id="{9C996F9E-8F63-ED4F-8822-5484A276DC15}" type="slidenum">
               <a:rPr lang="en-US" smtClean="0"/>
               <a:t>‹#›</a:t>
             </a:fld>
@@ -921,7 +952,7 @@
     </p:spTree>
     <p:extLst>
       <p:ext uri="{BB962C8B-B14F-4D97-AF65-F5344CB8AC3E}">
-        <p14:creationId xmlns:p14="http://schemas.microsoft.com/office/powerpoint/2010/main" val="981482930"/>
+        <p14:creationId xmlns:p14="http://schemas.microsoft.com/office/powerpoint/2010/main" val="2439234585"/>
       </p:ext>
     </p:extLst>
   </p:cSld>
@@ -953,7 +984,7 @@
           <p:cNvPr id="2" name="Title 1">
             <a:extLst>
               <a:ext uri="{FF2B5EF4-FFF2-40B4-BE49-F238E27FC236}">
-                <a16:creationId xmlns:a16="http://schemas.microsoft.com/office/drawing/2014/main" id="{8775B3DC-65F9-AC47-886C-6ECFEBEEAAD5}"/>
+                <a16:creationId xmlns:a16="http://schemas.microsoft.com/office/drawing/2014/main" id="{A87A513A-1F4D-E74D-A8F9-67EB28FB722E}"/>
               </a:ext>
             </a:extLst>
           </p:cNvPr>
@@ -990,7 +1021,7 @@
           <p:cNvPr id="3" name="Text Placeholder 2">
             <a:extLst>
               <a:ext uri="{FF2B5EF4-FFF2-40B4-BE49-F238E27FC236}">
-                <a16:creationId xmlns:a16="http://schemas.microsoft.com/office/drawing/2014/main" id="{77586F1D-4C15-0D49-B237-34C1F256C5CA}"/>
+                <a16:creationId xmlns:a16="http://schemas.microsoft.com/office/drawing/2014/main" id="{48650CEB-61AD-624D-8431-88C5C72B7007}"/>
               </a:ext>
             </a:extLst>
           </p:cNvPr>
@@ -1115,7 +1146,7 @@
           <p:cNvPr id="4" name="Date Placeholder 3">
             <a:extLst>
               <a:ext uri="{FF2B5EF4-FFF2-40B4-BE49-F238E27FC236}">
-                <a16:creationId xmlns:a16="http://schemas.microsoft.com/office/drawing/2014/main" id="{D0E9FCED-178B-E34C-8929-1850225A15D2}"/>
+                <a16:creationId xmlns:a16="http://schemas.microsoft.com/office/drawing/2014/main" id="{C609E512-1E18-E14D-9166-77A554A8784B}"/>
               </a:ext>
             </a:extLst>
           </p:cNvPr>
@@ -1131,9 +1162,9 @@
           <a:bodyPr/>
           <a:lstStyle/>
           <a:p>
-            <a:fld id="{B7A22693-C9FC-454D-BC5F-AD6465AB0458}" type="datetimeFigureOut">
+            <a:fld id="{9E45FE34-4D7E-D046-9D0C-58108319F6CE}" type="datetimeFigureOut">
               <a:rPr lang="en-US" smtClean="0"/>
-              <a:t>8/9/19</a:t>
+              <a:t>8/11/19</a:t>
             </a:fld>
             <a:endParaRPr lang="en-US"/>
           </a:p>
@@ -1144,7 +1175,7 @@
           <p:cNvPr id="5" name="Footer Placeholder 4">
             <a:extLst>
               <a:ext uri="{FF2B5EF4-FFF2-40B4-BE49-F238E27FC236}">
-                <a16:creationId xmlns:a16="http://schemas.microsoft.com/office/drawing/2014/main" id="{00800D0D-B6DD-2143-9027-3432DF8980F0}"/>
+                <a16:creationId xmlns:a16="http://schemas.microsoft.com/office/drawing/2014/main" id="{F161FDE2-AA87-F34E-9D83-89E343788E95}"/>
               </a:ext>
             </a:extLst>
           </p:cNvPr>
@@ -1169,7 +1200,7 @@
           <p:cNvPr id="6" name="Slide Number Placeholder 5">
             <a:extLst>
               <a:ext uri="{FF2B5EF4-FFF2-40B4-BE49-F238E27FC236}">
-                <a16:creationId xmlns:a16="http://schemas.microsoft.com/office/drawing/2014/main" id="{63BBAD03-88EA-F846-994B-86781369BAE8}"/>
+                <a16:creationId xmlns:a16="http://schemas.microsoft.com/office/drawing/2014/main" id="{2BDDF604-341E-2747-A453-4B762B288E37}"/>
               </a:ext>
             </a:extLst>
           </p:cNvPr>
@@ -1185,7 +1216,7 @@
           <a:bodyPr/>
           <a:lstStyle/>
           <a:p>
-            <a:fld id="{45A78CF3-245D-8946-A3AA-37CBF4F56A42}" type="slidenum">
+            <a:fld id="{9C996F9E-8F63-ED4F-8822-5484A276DC15}" type="slidenum">
               <a:rPr lang="en-US" smtClean="0"/>
               <a:t>‹#›</a:t>
             </a:fld>
@@ -1196,7 +1227,7 @@
     </p:spTree>
     <p:extLst>
       <p:ext uri="{BB962C8B-B14F-4D97-AF65-F5344CB8AC3E}">
-        <p14:creationId xmlns:p14="http://schemas.microsoft.com/office/powerpoint/2010/main" val="2794997265"/>
+        <p14:creationId xmlns:p14="http://schemas.microsoft.com/office/powerpoint/2010/main" val="961950342"/>
       </p:ext>
     </p:extLst>
   </p:cSld>
@@ -1228,7 +1259,7 @@
           <p:cNvPr id="2" name="Title 1">
             <a:extLst>
               <a:ext uri="{FF2B5EF4-FFF2-40B4-BE49-F238E27FC236}">
-                <a16:creationId xmlns:a16="http://schemas.microsoft.com/office/drawing/2014/main" id="{D2B2A7C6-BB2E-1E4A-9688-3DFA7A2D6D16}"/>
+                <a16:creationId xmlns:a16="http://schemas.microsoft.com/office/drawing/2014/main" id="{7A6DFE15-D8F3-1C44-938C-AB59A3B26370}"/>
               </a:ext>
             </a:extLst>
           </p:cNvPr>
@@ -1256,7 +1287,7 @@
           <p:cNvPr id="3" name="Content Placeholder 2">
             <a:extLst>
               <a:ext uri="{FF2B5EF4-FFF2-40B4-BE49-F238E27FC236}">
-                <a16:creationId xmlns:a16="http://schemas.microsoft.com/office/drawing/2014/main" id="{FD918DC3-BD64-3B4F-9923-12BC2916E0B4}"/>
+                <a16:creationId xmlns:a16="http://schemas.microsoft.com/office/drawing/2014/main" id="{9984F93B-9829-A340-92D8-EC5B35CE3D34}"/>
               </a:ext>
             </a:extLst>
           </p:cNvPr>
@@ -1318,7 +1349,7 @@
           <p:cNvPr id="4" name="Content Placeholder 3">
             <a:extLst>
               <a:ext uri="{FF2B5EF4-FFF2-40B4-BE49-F238E27FC236}">
-                <a16:creationId xmlns:a16="http://schemas.microsoft.com/office/drawing/2014/main" id="{22F93DEA-CE61-E641-9832-61C0774D5C53}"/>
+                <a16:creationId xmlns:a16="http://schemas.microsoft.com/office/drawing/2014/main" id="{21B5DC5D-E424-A34E-9CED-36B5E236C460}"/>
               </a:ext>
             </a:extLst>
           </p:cNvPr>
@@ -1380,7 +1411,7 @@
           <p:cNvPr id="5" name="Date Placeholder 4">
             <a:extLst>
               <a:ext uri="{FF2B5EF4-FFF2-40B4-BE49-F238E27FC236}">
-                <a16:creationId xmlns:a16="http://schemas.microsoft.com/office/drawing/2014/main" id="{DFCE1A94-B8DD-8140-86A6-FF135B0FE792}"/>
+                <a16:creationId xmlns:a16="http://schemas.microsoft.com/office/drawing/2014/main" id="{BC6BBF4F-2D59-D340-BE42-D3E720159A43}"/>
               </a:ext>
             </a:extLst>
           </p:cNvPr>
@@ -1396,9 +1427,9 @@
           <a:bodyPr/>
           <a:lstStyle/>
           <a:p>
-            <a:fld id="{B7A22693-C9FC-454D-BC5F-AD6465AB0458}" type="datetimeFigureOut">
+            <a:fld id="{9E45FE34-4D7E-D046-9D0C-58108319F6CE}" type="datetimeFigureOut">
               <a:rPr lang="en-US" smtClean="0"/>
-              <a:t>8/9/19</a:t>
+              <a:t>8/11/19</a:t>
             </a:fld>
             <a:endParaRPr lang="en-US"/>
           </a:p>
@@ -1409,7 +1440,7 @@
           <p:cNvPr id="6" name="Footer Placeholder 5">
             <a:extLst>
               <a:ext uri="{FF2B5EF4-FFF2-40B4-BE49-F238E27FC236}">
-                <a16:creationId xmlns:a16="http://schemas.microsoft.com/office/drawing/2014/main" id="{737F25BB-18C1-F440-BD14-64F2A5F8B4C7}"/>
+                <a16:creationId xmlns:a16="http://schemas.microsoft.com/office/drawing/2014/main" id="{D787F4AF-AA25-5340-98C7-C15764F133CE}"/>
               </a:ext>
             </a:extLst>
           </p:cNvPr>
@@ -1434,7 +1465,7 @@
           <p:cNvPr id="7" name="Slide Number Placeholder 6">
             <a:extLst>
               <a:ext uri="{FF2B5EF4-FFF2-40B4-BE49-F238E27FC236}">
-                <a16:creationId xmlns:a16="http://schemas.microsoft.com/office/drawing/2014/main" id="{ED786926-9F0D-2E42-97CA-9D526FBB4D3E}"/>
+                <a16:creationId xmlns:a16="http://schemas.microsoft.com/office/drawing/2014/main" id="{F73BCC1C-908F-9A45-AF49-8885477E6F38}"/>
               </a:ext>
             </a:extLst>
           </p:cNvPr>
@@ -1450,7 +1481,7 @@
           <a:bodyPr/>
           <a:lstStyle/>
           <a:p>
-            <a:fld id="{45A78CF3-245D-8946-A3AA-37CBF4F56A42}" type="slidenum">
+            <a:fld id="{9C996F9E-8F63-ED4F-8822-5484A276DC15}" type="slidenum">
               <a:rPr lang="en-US" smtClean="0"/>
               <a:t>‹#›</a:t>
             </a:fld>
@@ -1461,7 +1492,7 @@
     </p:spTree>
     <p:extLst>
       <p:ext uri="{BB962C8B-B14F-4D97-AF65-F5344CB8AC3E}">
-        <p14:creationId xmlns:p14="http://schemas.microsoft.com/office/powerpoint/2010/main" val="1213994466"/>
+        <p14:creationId xmlns:p14="http://schemas.microsoft.com/office/powerpoint/2010/main" val="3642317548"/>
       </p:ext>
     </p:extLst>
   </p:cSld>
@@ -1493,7 +1524,7 @@
           <p:cNvPr id="2" name="Title 1">
             <a:extLst>
               <a:ext uri="{FF2B5EF4-FFF2-40B4-BE49-F238E27FC236}">
-                <a16:creationId xmlns:a16="http://schemas.microsoft.com/office/drawing/2014/main" id="{EE09780B-3759-D542-BE81-A0EBE719CB4E}"/>
+                <a16:creationId xmlns:a16="http://schemas.microsoft.com/office/drawing/2014/main" id="{E8CE4D4E-FB55-AD4A-B586-DD8820BDFF5A}"/>
               </a:ext>
             </a:extLst>
           </p:cNvPr>
@@ -1526,7 +1557,7 @@
           <p:cNvPr id="3" name="Text Placeholder 2">
             <a:extLst>
               <a:ext uri="{FF2B5EF4-FFF2-40B4-BE49-F238E27FC236}">
-                <a16:creationId xmlns:a16="http://schemas.microsoft.com/office/drawing/2014/main" id="{0A70DC47-1D19-8344-938D-355EE74B66FE}"/>
+                <a16:creationId xmlns:a16="http://schemas.microsoft.com/office/drawing/2014/main" id="{4C52DA98-E3C8-9C4E-8A28-09B051133E35}"/>
               </a:ext>
             </a:extLst>
           </p:cNvPr>
@@ -1597,7 +1628,7 @@
           <p:cNvPr id="4" name="Content Placeholder 3">
             <a:extLst>
               <a:ext uri="{FF2B5EF4-FFF2-40B4-BE49-F238E27FC236}">
-                <a16:creationId xmlns:a16="http://schemas.microsoft.com/office/drawing/2014/main" id="{F8863A92-4B93-2E4D-9D61-5AB3B4A617E9}"/>
+                <a16:creationId xmlns:a16="http://schemas.microsoft.com/office/drawing/2014/main" id="{E7417547-7AC8-ED4B-BABC-79814590C6F8}"/>
               </a:ext>
             </a:extLst>
           </p:cNvPr>
@@ -1659,7 +1690,7 @@
           <p:cNvPr id="5" name="Text Placeholder 4">
             <a:extLst>
               <a:ext uri="{FF2B5EF4-FFF2-40B4-BE49-F238E27FC236}">
-                <a16:creationId xmlns:a16="http://schemas.microsoft.com/office/drawing/2014/main" id="{4A29DBE3-A502-7D4D-A697-3E52787A9064}"/>
+                <a16:creationId xmlns:a16="http://schemas.microsoft.com/office/drawing/2014/main" id="{8A474481-65BD-834C-9565-04CFF0C5B967}"/>
               </a:ext>
             </a:extLst>
           </p:cNvPr>
@@ -1730,7 +1761,7 @@
           <p:cNvPr id="6" name="Content Placeholder 5">
             <a:extLst>
               <a:ext uri="{FF2B5EF4-FFF2-40B4-BE49-F238E27FC236}">
-                <a16:creationId xmlns:a16="http://schemas.microsoft.com/office/drawing/2014/main" id="{8578AA97-298C-E649-86B9-7351F47C00EC}"/>
+                <a16:creationId xmlns:a16="http://schemas.microsoft.com/office/drawing/2014/main" id="{C5C27DC1-1D42-2B4B-9B67-A6E7545861C7}"/>
               </a:ext>
             </a:extLst>
           </p:cNvPr>
@@ -1792,7 +1823,7 @@
           <p:cNvPr id="7" name="Date Placeholder 6">
             <a:extLst>
               <a:ext uri="{FF2B5EF4-FFF2-40B4-BE49-F238E27FC236}">
-                <a16:creationId xmlns:a16="http://schemas.microsoft.com/office/drawing/2014/main" id="{7735E159-7466-EA47-BCB5-B172B942FF4F}"/>
+                <a16:creationId xmlns:a16="http://schemas.microsoft.com/office/drawing/2014/main" id="{5D6E35BB-CC6D-0049-9262-07B0AE4AC6D5}"/>
               </a:ext>
             </a:extLst>
           </p:cNvPr>
@@ -1808,9 +1839,9 @@
           <a:bodyPr/>
           <a:lstStyle/>
           <a:p>
-            <a:fld id="{B7A22693-C9FC-454D-BC5F-AD6465AB0458}" type="datetimeFigureOut">
+            <a:fld id="{9E45FE34-4D7E-D046-9D0C-58108319F6CE}" type="datetimeFigureOut">
               <a:rPr lang="en-US" smtClean="0"/>
-              <a:t>8/9/19</a:t>
+              <a:t>8/11/19</a:t>
             </a:fld>
             <a:endParaRPr lang="en-US"/>
           </a:p>
@@ -1821,7 +1852,7 @@
           <p:cNvPr id="8" name="Footer Placeholder 7">
             <a:extLst>
               <a:ext uri="{FF2B5EF4-FFF2-40B4-BE49-F238E27FC236}">
-                <a16:creationId xmlns:a16="http://schemas.microsoft.com/office/drawing/2014/main" id="{426DB67C-1E8B-844A-B92C-C5AA27AC713A}"/>
+                <a16:creationId xmlns:a16="http://schemas.microsoft.com/office/drawing/2014/main" id="{4B9A66F9-9C05-CC4C-BC4A-384E22A99308}"/>
               </a:ext>
             </a:extLst>
           </p:cNvPr>
@@ -1846,7 +1877,7 @@
           <p:cNvPr id="9" name="Slide Number Placeholder 8">
             <a:extLst>
               <a:ext uri="{FF2B5EF4-FFF2-40B4-BE49-F238E27FC236}">
-                <a16:creationId xmlns:a16="http://schemas.microsoft.com/office/drawing/2014/main" id="{C8072D4E-4548-2B49-A99E-1543DFFC7D31}"/>
+                <a16:creationId xmlns:a16="http://schemas.microsoft.com/office/drawing/2014/main" id="{319968E8-63B7-2446-929B-C7C2E7E9A11B}"/>
               </a:ext>
             </a:extLst>
           </p:cNvPr>
@@ -1862,7 +1893,7 @@
           <a:bodyPr/>
           <a:lstStyle/>
           <a:p>
-            <a:fld id="{45A78CF3-245D-8946-A3AA-37CBF4F56A42}" type="slidenum">
+            <a:fld id="{9C996F9E-8F63-ED4F-8822-5484A276DC15}" type="slidenum">
               <a:rPr lang="en-US" smtClean="0"/>
               <a:t>‹#›</a:t>
             </a:fld>
@@ -1873,7 +1904,7 @@
     </p:spTree>
     <p:extLst>
       <p:ext uri="{BB962C8B-B14F-4D97-AF65-F5344CB8AC3E}">
-        <p14:creationId xmlns:p14="http://schemas.microsoft.com/office/powerpoint/2010/main" val="1326532748"/>
+        <p14:creationId xmlns:p14="http://schemas.microsoft.com/office/powerpoint/2010/main" val="2396398125"/>
       </p:ext>
     </p:extLst>
   </p:cSld>
@@ -1905,7 +1936,7 @@
           <p:cNvPr id="2" name="Title 1">
             <a:extLst>
               <a:ext uri="{FF2B5EF4-FFF2-40B4-BE49-F238E27FC236}">
-                <a16:creationId xmlns:a16="http://schemas.microsoft.com/office/drawing/2014/main" id="{3893E34D-708D-534B-AB63-45DE59F0FA3F}"/>
+                <a16:creationId xmlns:a16="http://schemas.microsoft.com/office/drawing/2014/main" id="{26F9E49D-38FF-7B44-9459-3CDB76471491}"/>
               </a:ext>
             </a:extLst>
           </p:cNvPr>
@@ -1933,7 +1964,7 @@
           <p:cNvPr id="3" name="Date Placeholder 2">
             <a:extLst>
               <a:ext uri="{FF2B5EF4-FFF2-40B4-BE49-F238E27FC236}">
-                <a16:creationId xmlns:a16="http://schemas.microsoft.com/office/drawing/2014/main" id="{648B31FC-18E7-2145-B757-97A4D5EBF769}"/>
+                <a16:creationId xmlns:a16="http://schemas.microsoft.com/office/drawing/2014/main" id="{71E1FAFC-2B94-9B43-93FA-C1CE1B849D20}"/>
               </a:ext>
             </a:extLst>
           </p:cNvPr>
@@ -1949,9 +1980,9 @@
           <a:bodyPr/>
           <a:lstStyle/>
           <a:p>
-            <a:fld id="{B7A22693-C9FC-454D-BC5F-AD6465AB0458}" type="datetimeFigureOut">
+            <a:fld id="{9E45FE34-4D7E-D046-9D0C-58108319F6CE}" type="datetimeFigureOut">
               <a:rPr lang="en-US" smtClean="0"/>
-              <a:t>8/9/19</a:t>
+              <a:t>8/11/19</a:t>
             </a:fld>
             <a:endParaRPr lang="en-US"/>
           </a:p>
@@ -1962,7 +1993,7 @@
           <p:cNvPr id="4" name="Footer Placeholder 3">
             <a:extLst>
               <a:ext uri="{FF2B5EF4-FFF2-40B4-BE49-F238E27FC236}">
-                <a16:creationId xmlns:a16="http://schemas.microsoft.com/office/drawing/2014/main" id="{729E08DF-04C8-8D44-8AAC-5CA7285DECAA}"/>
+                <a16:creationId xmlns:a16="http://schemas.microsoft.com/office/drawing/2014/main" id="{8E051CDD-2C9C-544E-B45A-CF63DC77CF5C}"/>
               </a:ext>
             </a:extLst>
           </p:cNvPr>
@@ -1987,7 +2018,7 @@
           <p:cNvPr id="5" name="Slide Number Placeholder 4">
             <a:extLst>
               <a:ext uri="{FF2B5EF4-FFF2-40B4-BE49-F238E27FC236}">
-                <a16:creationId xmlns:a16="http://schemas.microsoft.com/office/drawing/2014/main" id="{5D24EAD8-0994-B040-A6C6-260D0773E2CA}"/>
+                <a16:creationId xmlns:a16="http://schemas.microsoft.com/office/drawing/2014/main" id="{315135E9-2202-FD44-9336-D2C679439955}"/>
               </a:ext>
             </a:extLst>
           </p:cNvPr>
@@ -2003,7 +2034,7 @@
           <a:bodyPr/>
           <a:lstStyle/>
           <a:p>
-            <a:fld id="{45A78CF3-245D-8946-A3AA-37CBF4F56A42}" type="slidenum">
+            <a:fld id="{9C996F9E-8F63-ED4F-8822-5484A276DC15}" type="slidenum">
               <a:rPr lang="en-US" smtClean="0"/>
               <a:t>‹#›</a:t>
             </a:fld>
@@ -2014,7 +2045,7 @@
     </p:spTree>
     <p:extLst>
       <p:ext uri="{BB962C8B-B14F-4D97-AF65-F5344CB8AC3E}">
-        <p14:creationId xmlns:p14="http://schemas.microsoft.com/office/powerpoint/2010/main" val="2325953512"/>
+        <p14:creationId xmlns:p14="http://schemas.microsoft.com/office/powerpoint/2010/main" val="3414464316"/>
       </p:ext>
     </p:extLst>
   </p:cSld>
@@ -2046,7 +2077,7 @@
           <p:cNvPr id="2" name="Date Placeholder 1">
             <a:extLst>
               <a:ext uri="{FF2B5EF4-FFF2-40B4-BE49-F238E27FC236}">
-                <a16:creationId xmlns:a16="http://schemas.microsoft.com/office/drawing/2014/main" id="{3A0A2DCB-051F-DA49-B007-D5450137289C}"/>
+                <a16:creationId xmlns:a16="http://schemas.microsoft.com/office/drawing/2014/main" id="{C34754FD-16D5-3949-9C17-46D4BE1D5547}"/>
               </a:ext>
             </a:extLst>
           </p:cNvPr>
@@ -2062,9 +2093,9 @@
           <a:bodyPr/>
           <a:lstStyle/>
           <a:p>
-            <a:fld id="{B7A22693-C9FC-454D-BC5F-AD6465AB0458}" type="datetimeFigureOut">
+            <a:fld id="{9E45FE34-4D7E-D046-9D0C-58108319F6CE}" type="datetimeFigureOut">
               <a:rPr lang="en-US" smtClean="0"/>
-              <a:t>8/9/19</a:t>
+              <a:t>8/11/19</a:t>
             </a:fld>
             <a:endParaRPr lang="en-US"/>
           </a:p>
@@ -2075,7 +2106,7 @@
           <p:cNvPr id="3" name="Footer Placeholder 2">
             <a:extLst>
               <a:ext uri="{FF2B5EF4-FFF2-40B4-BE49-F238E27FC236}">
-                <a16:creationId xmlns:a16="http://schemas.microsoft.com/office/drawing/2014/main" id="{C1745FCF-69AB-D341-94AC-8659163CB249}"/>
+                <a16:creationId xmlns:a16="http://schemas.microsoft.com/office/drawing/2014/main" id="{C6DE5278-5D71-2D46-8CD1-48D80873521D}"/>
               </a:ext>
             </a:extLst>
           </p:cNvPr>
@@ -2100,7 +2131,7 @@
           <p:cNvPr id="4" name="Slide Number Placeholder 3">
             <a:extLst>
               <a:ext uri="{FF2B5EF4-FFF2-40B4-BE49-F238E27FC236}">
-                <a16:creationId xmlns:a16="http://schemas.microsoft.com/office/drawing/2014/main" id="{2C01094C-E2FB-1A47-AA89-8D7E757A0C51}"/>
+                <a16:creationId xmlns:a16="http://schemas.microsoft.com/office/drawing/2014/main" id="{A8ADAB8B-9E9A-224E-B0BA-3C77BC701816}"/>
               </a:ext>
             </a:extLst>
           </p:cNvPr>
@@ -2116,7 +2147,7 @@
           <a:bodyPr/>
           <a:lstStyle/>
           <a:p>
-            <a:fld id="{45A78CF3-245D-8946-A3AA-37CBF4F56A42}" type="slidenum">
+            <a:fld id="{9C996F9E-8F63-ED4F-8822-5484A276DC15}" type="slidenum">
               <a:rPr lang="en-US" smtClean="0"/>
               <a:t>‹#›</a:t>
             </a:fld>
@@ -2127,7 +2158,7 @@
     </p:spTree>
     <p:extLst>
       <p:ext uri="{BB962C8B-B14F-4D97-AF65-F5344CB8AC3E}">
-        <p14:creationId xmlns:p14="http://schemas.microsoft.com/office/powerpoint/2010/main" val="3510691856"/>
+        <p14:creationId xmlns:p14="http://schemas.microsoft.com/office/powerpoint/2010/main" val="850928012"/>
       </p:ext>
     </p:extLst>
   </p:cSld>
@@ -2159,7 +2190,7 @@
           <p:cNvPr id="2" name="Title 1">
             <a:extLst>
               <a:ext uri="{FF2B5EF4-FFF2-40B4-BE49-F238E27FC236}">
-                <a16:creationId xmlns:a16="http://schemas.microsoft.com/office/drawing/2014/main" id="{67CB3E9E-0BC2-584B-8B0D-9F3C187B224E}"/>
+                <a16:creationId xmlns:a16="http://schemas.microsoft.com/office/drawing/2014/main" id="{E3469F07-5B05-D942-AF97-A65B1372A28C}"/>
               </a:ext>
             </a:extLst>
           </p:cNvPr>
@@ -2196,7 +2227,7 @@
           <p:cNvPr id="3" name="Content Placeholder 2">
             <a:extLst>
               <a:ext uri="{FF2B5EF4-FFF2-40B4-BE49-F238E27FC236}">
-                <a16:creationId xmlns:a16="http://schemas.microsoft.com/office/drawing/2014/main" id="{A1BDA40E-DE00-4A41-A077-E127B0EEAF8B}"/>
+                <a16:creationId xmlns:a16="http://schemas.microsoft.com/office/drawing/2014/main" id="{CF544B6B-5924-5349-897D-396D04088C7A}"/>
               </a:ext>
             </a:extLst>
           </p:cNvPr>
@@ -2286,7 +2317,7 @@
           <p:cNvPr id="4" name="Text Placeholder 3">
             <a:extLst>
               <a:ext uri="{FF2B5EF4-FFF2-40B4-BE49-F238E27FC236}">
-                <a16:creationId xmlns:a16="http://schemas.microsoft.com/office/drawing/2014/main" id="{AF07F45B-E739-5F42-9F18-5F6D824FC394}"/>
+                <a16:creationId xmlns:a16="http://schemas.microsoft.com/office/drawing/2014/main" id="{3C1F9072-AB93-F341-AD34-E90CB10EC445}"/>
               </a:ext>
             </a:extLst>
           </p:cNvPr>
@@ -2357,7 +2388,7 @@
           <p:cNvPr id="5" name="Date Placeholder 4">
             <a:extLst>
               <a:ext uri="{FF2B5EF4-FFF2-40B4-BE49-F238E27FC236}">
-                <a16:creationId xmlns:a16="http://schemas.microsoft.com/office/drawing/2014/main" id="{945BFC04-A478-7144-8FCD-F9FACB3C07EF}"/>
+                <a16:creationId xmlns:a16="http://schemas.microsoft.com/office/drawing/2014/main" id="{78D337AC-344E-304D-A928-BA1007CD5258}"/>
               </a:ext>
             </a:extLst>
           </p:cNvPr>
@@ -2373,9 +2404,9 @@
           <a:bodyPr/>
           <a:lstStyle/>
           <a:p>
-            <a:fld id="{B7A22693-C9FC-454D-BC5F-AD6465AB0458}" type="datetimeFigureOut">
+            <a:fld id="{9E45FE34-4D7E-D046-9D0C-58108319F6CE}" type="datetimeFigureOut">
               <a:rPr lang="en-US" smtClean="0"/>
-              <a:t>8/9/19</a:t>
+              <a:t>8/11/19</a:t>
             </a:fld>
             <a:endParaRPr lang="en-US"/>
           </a:p>
@@ -2386,7 +2417,7 @@
           <p:cNvPr id="6" name="Footer Placeholder 5">
             <a:extLst>
               <a:ext uri="{FF2B5EF4-FFF2-40B4-BE49-F238E27FC236}">
-                <a16:creationId xmlns:a16="http://schemas.microsoft.com/office/drawing/2014/main" id="{535C8B09-F1A8-F546-89A3-C65C88ACC572}"/>
+                <a16:creationId xmlns:a16="http://schemas.microsoft.com/office/drawing/2014/main" id="{F0F513F7-D6E0-5A44-9222-DF140DDCDEEB}"/>
               </a:ext>
             </a:extLst>
           </p:cNvPr>
@@ -2411,7 +2442,7 @@
           <p:cNvPr id="7" name="Slide Number Placeholder 6">
             <a:extLst>
               <a:ext uri="{FF2B5EF4-FFF2-40B4-BE49-F238E27FC236}">
-                <a16:creationId xmlns:a16="http://schemas.microsoft.com/office/drawing/2014/main" id="{294B13A9-A5A4-494D-ACB1-3B6E53E42624}"/>
+                <a16:creationId xmlns:a16="http://schemas.microsoft.com/office/drawing/2014/main" id="{8A813BAE-D13B-4249-A99D-A32D56A2A8B4}"/>
               </a:ext>
             </a:extLst>
           </p:cNvPr>
@@ -2427,7 +2458,7 @@
           <a:bodyPr/>
           <a:lstStyle/>
           <a:p>
-            <a:fld id="{45A78CF3-245D-8946-A3AA-37CBF4F56A42}" type="slidenum">
+            <a:fld id="{9C996F9E-8F63-ED4F-8822-5484A276DC15}" type="slidenum">
               <a:rPr lang="en-US" smtClean="0"/>
               <a:t>‹#›</a:t>
             </a:fld>
@@ -2438,7 +2469,7 @@
     </p:spTree>
     <p:extLst>
       <p:ext uri="{BB962C8B-B14F-4D97-AF65-F5344CB8AC3E}">
-        <p14:creationId xmlns:p14="http://schemas.microsoft.com/office/powerpoint/2010/main" val="601618647"/>
+        <p14:creationId xmlns:p14="http://schemas.microsoft.com/office/powerpoint/2010/main" val="360481069"/>
       </p:ext>
     </p:extLst>
   </p:cSld>
@@ -2470,7 +2501,7 @@
           <p:cNvPr id="2" name="Title 1">
             <a:extLst>
               <a:ext uri="{FF2B5EF4-FFF2-40B4-BE49-F238E27FC236}">
-                <a16:creationId xmlns:a16="http://schemas.microsoft.com/office/drawing/2014/main" id="{681610BA-E82E-EF48-8E93-6703FB7EF118}"/>
+                <a16:creationId xmlns:a16="http://schemas.microsoft.com/office/drawing/2014/main" id="{243A25FA-F4A0-D748-8150-285453F55704}"/>
               </a:ext>
             </a:extLst>
           </p:cNvPr>
@@ -2507,7 +2538,7 @@
           <p:cNvPr id="3" name="Picture Placeholder 2">
             <a:extLst>
               <a:ext uri="{FF2B5EF4-FFF2-40B4-BE49-F238E27FC236}">
-                <a16:creationId xmlns:a16="http://schemas.microsoft.com/office/drawing/2014/main" id="{509B195C-05FA-0543-8ECC-4B7A191AEE0D}"/>
+                <a16:creationId xmlns:a16="http://schemas.microsoft.com/office/drawing/2014/main" id="{5F2A95AD-2440-D14D-B17B-49F2AC178A8D}"/>
               </a:ext>
             </a:extLst>
           </p:cNvPr>
@@ -2574,7 +2605,7 @@
           <p:cNvPr id="4" name="Text Placeholder 3">
             <a:extLst>
               <a:ext uri="{FF2B5EF4-FFF2-40B4-BE49-F238E27FC236}">
-                <a16:creationId xmlns:a16="http://schemas.microsoft.com/office/drawing/2014/main" id="{7EFB55C3-17A1-4E4D-9778-73A242A9A4A6}"/>
+                <a16:creationId xmlns:a16="http://schemas.microsoft.com/office/drawing/2014/main" id="{9920C23A-9A90-C746-8473-DC8804DA47EA}"/>
               </a:ext>
             </a:extLst>
           </p:cNvPr>
@@ -2645,7 +2676,7 @@
           <p:cNvPr id="5" name="Date Placeholder 4">
             <a:extLst>
               <a:ext uri="{FF2B5EF4-FFF2-40B4-BE49-F238E27FC236}">
-                <a16:creationId xmlns:a16="http://schemas.microsoft.com/office/drawing/2014/main" id="{B6523647-62CF-9343-9BAC-350D223492C3}"/>
+                <a16:creationId xmlns:a16="http://schemas.microsoft.com/office/drawing/2014/main" id="{803E97AC-0C17-E84E-9FAD-3B9D0EAE5EEA}"/>
               </a:ext>
             </a:extLst>
           </p:cNvPr>
@@ -2661,9 +2692,9 @@
           <a:bodyPr/>
           <a:lstStyle/>
           <a:p>
-            <a:fld id="{B7A22693-C9FC-454D-BC5F-AD6465AB0458}" type="datetimeFigureOut">
+            <a:fld id="{9E45FE34-4D7E-D046-9D0C-58108319F6CE}" type="datetimeFigureOut">
               <a:rPr lang="en-US" smtClean="0"/>
-              <a:t>8/9/19</a:t>
+              <a:t>8/11/19</a:t>
             </a:fld>
             <a:endParaRPr lang="en-US"/>
           </a:p>
@@ -2674,7 +2705,7 @@
           <p:cNvPr id="6" name="Footer Placeholder 5">
             <a:extLst>
               <a:ext uri="{FF2B5EF4-FFF2-40B4-BE49-F238E27FC236}">
-                <a16:creationId xmlns:a16="http://schemas.microsoft.com/office/drawing/2014/main" id="{0FBB4A90-ECC4-E445-8B3C-2ED0614C8131}"/>
+                <a16:creationId xmlns:a16="http://schemas.microsoft.com/office/drawing/2014/main" id="{6AA896BB-AFF9-A24C-9EED-9A2C381EA9F3}"/>
               </a:ext>
             </a:extLst>
           </p:cNvPr>
@@ -2699,7 +2730,7 @@
           <p:cNvPr id="7" name="Slide Number Placeholder 6">
             <a:extLst>
               <a:ext uri="{FF2B5EF4-FFF2-40B4-BE49-F238E27FC236}">
-                <a16:creationId xmlns:a16="http://schemas.microsoft.com/office/drawing/2014/main" id="{A03D0B63-7F79-224E-B4CF-DB4BD4122F3B}"/>
+                <a16:creationId xmlns:a16="http://schemas.microsoft.com/office/drawing/2014/main" id="{B5BCE0DC-C12F-E242-9E12-F8B242C2C7B0}"/>
               </a:ext>
             </a:extLst>
           </p:cNvPr>
@@ -2715,7 +2746,7 @@
           <a:bodyPr/>
           <a:lstStyle/>
           <a:p>
-            <a:fld id="{45A78CF3-245D-8946-A3AA-37CBF4F56A42}" type="slidenum">
+            <a:fld id="{9C996F9E-8F63-ED4F-8822-5484A276DC15}" type="slidenum">
               <a:rPr lang="en-US" smtClean="0"/>
               <a:t>‹#›</a:t>
             </a:fld>
@@ -2726,7 +2757,7 @@
     </p:spTree>
     <p:extLst>
       <p:ext uri="{BB962C8B-B14F-4D97-AF65-F5344CB8AC3E}">
-        <p14:creationId xmlns:p14="http://schemas.microsoft.com/office/powerpoint/2010/main" val="3691761195"/>
+        <p14:creationId xmlns:p14="http://schemas.microsoft.com/office/powerpoint/2010/main" val="1657949120"/>
       </p:ext>
     </p:extLst>
   </p:cSld>
@@ -2763,7 +2794,7 @@
           <p:cNvPr id="2" name="Title Placeholder 1">
             <a:extLst>
               <a:ext uri="{FF2B5EF4-FFF2-40B4-BE49-F238E27FC236}">
-                <a16:creationId xmlns:a16="http://schemas.microsoft.com/office/drawing/2014/main" id="{E0774D9E-7872-2D42-8ACA-57879D48EA82}"/>
+                <a16:creationId xmlns:a16="http://schemas.microsoft.com/office/drawing/2014/main" id="{924DFC02-9E60-4544-BD7F-882C691C6C27}"/>
               </a:ext>
             </a:extLst>
           </p:cNvPr>
@@ -2801,7 +2832,7 @@
           <p:cNvPr id="3" name="Text Placeholder 2">
             <a:extLst>
               <a:ext uri="{FF2B5EF4-FFF2-40B4-BE49-F238E27FC236}">
-                <a16:creationId xmlns:a16="http://schemas.microsoft.com/office/drawing/2014/main" id="{BDB6A128-D67D-C047-9888-6467F8D1FF05}"/>
+                <a16:creationId xmlns:a16="http://schemas.microsoft.com/office/drawing/2014/main" id="{57D55CB9-46BF-9546-88A6-C9C929AC6664}"/>
               </a:ext>
             </a:extLst>
           </p:cNvPr>
@@ -2868,7 +2899,7 @@
           <p:cNvPr id="4" name="Date Placeholder 3">
             <a:extLst>
               <a:ext uri="{FF2B5EF4-FFF2-40B4-BE49-F238E27FC236}">
-                <a16:creationId xmlns:a16="http://schemas.microsoft.com/office/drawing/2014/main" id="{4D1F5CD7-A57E-434A-B18E-C6E9A9CB2408}"/>
+                <a16:creationId xmlns:a16="http://schemas.microsoft.com/office/drawing/2014/main" id="{43CE9EFC-935A-EB49-B70A-8B1E42326262}"/>
               </a:ext>
             </a:extLst>
           </p:cNvPr>
@@ -2902,9 +2933,9 @@
             </a:lvl1pPr>
           </a:lstStyle>
           <a:p>
-            <a:fld id="{B7A22693-C9FC-454D-BC5F-AD6465AB0458}" type="datetimeFigureOut">
+            <a:fld id="{9E45FE34-4D7E-D046-9D0C-58108319F6CE}" type="datetimeFigureOut">
               <a:rPr lang="en-US" smtClean="0"/>
-              <a:t>8/9/19</a:t>
+              <a:t>8/11/19</a:t>
             </a:fld>
             <a:endParaRPr lang="en-US"/>
           </a:p>
@@ -2915,7 +2946,7 @@
           <p:cNvPr id="5" name="Footer Placeholder 4">
             <a:extLst>
               <a:ext uri="{FF2B5EF4-FFF2-40B4-BE49-F238E27FC236}">
-                <a16:creationId xmlns:a16="http://schemas.microsoft.com/office/drawing/2014/main" id="{4D7B18FB-C1FE-7242-8FAF-AAEFFFD57C91}"/>
+                <a16:creationId xmlns:a16="http://schemas.microsoft.com/office/drawing/2014/main" id="{487527BB-68E7-CF4F-AEAD-8EF487D1A49C}"/>
               </a:ext>
             </a:extLst>
           </p:cNvPr>
@@ -2958,7 +2989,7 @@
           <p:cNvPr id="6" name="Slide Number Placeholder 5">
             <a:extLst>
               <a:ext uri="{FF2B5EF4-FFF2-40B4-BE49-F238E27FC236}">
-                <a16:creationId xmlns:a16="http://schemas.microsoft.com/office/drawing/2014/main" id="{0A832B45-574F-5B4E-B44E-1D771A55605E}"/>
+                <a16:creationId xmlns:a16="http://schemas.microsoft.com/office/drawing/2014/main" id="{3FA4F065-203A-BC4D-B1E0-363BFE03C5EE}"/>
               </a:ext>
             </a:extLst>
           </p:cNvPr>
@@ -2992,7 +3023,7 @@
             </a:lvl1pPr>
           </a:lstStyle>
           <a:p>
-            <a:fld id="{45A78CF3-245D-8946-A3AA-37CBF4F56A42}" type="slidenum">
+            <a:fld id="{9C996F9E-8F63-ED4F-8822-5484A276DC15}" type="slidenum">
               <a:rPr lang="en-US" smtClean="0"/>
               <a:t>‹#›</a:t>
             </a:fld>
@@ -3003,7 +3034,7 @@
     </p:spTree>
     <p:extLst>
       <p:ext uri="{BB962C8B-B14F-4D97-AF65-F5344CB8AC3E}">
-        <p14:creationId xmlns:p14="http://schemas.microsoft.com/office/powerpoint/2010/main" val="429729660"/>
+        <p14:creationId xmlns:p14="http://schemas.microsoft.com/office/powerpoint/2010/main" val="1579122668"/>
       </p:ext>
     </p:extLst>
   </p:cSld>
@@ -3321,236 +3352,530 @@
           <a:chExt cx="0" cy="0"/>
         </a:xfrm>
       </p:grpSpPr>
-      <p:pic>
-        <p:nvPicPr>
-          <p:cNvPr id="5" name="Picture 4">
-            <a:extLst>
-              <a:ext uri="{FF2B5EF4-FFF2-40B4-BE49-F238E27FC236}">
-                <a16:creationId xmlns:a16="http://schemas.microsoft.com/office/drawing/2014/main" id="{2D3E803A-318C-9C47-B586-370F4C8A09F5}"/>
-              </a:ext>
-            </a:extLst>
-          </p:cNvPr>
-          <p:cNvPicPr>
-            <a:picLocks noChangeAspect="1"/>
-          </p:cNvPicPr>
+      <p:grpSp>
+        <p:nvGrpSpPr>
+          <p:cNvPr id="13" name="Group 12">
+            <a:extLst>
+              <a:ext uri="{FF2B5EF4-FFF2-40B4-BE49-F238E27FC236}">
+                <a16:creationId xmlns:a16="http://schemas.microsoft.com/office/drawing/2014/main" id="{D6BA82E5-3210-F24E-90C3-811D9028D190}"/>
+              </a:ext>
+            </a:extLst>
+          </p:cNvPr>
+          <p:cNvGrpSpPr/>
           <p:nvPr/>
-        </p:nvPicPr>
-        <p:blipFill>
-          <a:blip r:embed="rId2"/>
-          <a:stretch>
-            <a:fillRect/>
-          </a:stretch>
-        </p:blipFill>
+        </p:nvGrpSpPr>
+        <p:grpSpPr>
+          <a:xfrm>
+            <a:off x="8370125" y="3340718"/>
+            <a:ext cx="2286000" cy="2910121"/>
+            <a:chOff x="8517744" y="2903551"/>
+            <a:chExt cx="2286000" cy="2910121"/>
+          </a:xfrm>
+        </p:grpSpPr>
+        <p:pic>
+          <p:nvPicPr>
+            <p:cNvPr id="9" name="Picture 8">
+              <a:extLst>
+                <a:ext uri="{FF2B5EF4-FFF2-40B4-BE49-F238E27FC236}">
+                  <a16:creationId xmlns:a16="http://schemas.microsoft.com/office/drawing/2014/main" id="{C26C41EC-2E1F-8741-9B53-9FC3497565C6}"/>
+                </a:ext>
+              </a:extLst>
+            </p:cNvPr>
+            <p:cNvPicPr>
+              <a:picLocks noChangeAspect="1"/>
+            </p:cNvPicPr>
+            <p:nvPr/>
+          </p:nvPicPr>
+          <p:blipFill>
+            <a:blip r:embed="rId2"/>
+            <a:stretch>
+              <a:fillRect/>
+            </a:stretch>
+          </p:blipFill>
+          <p:spPr>
+            <a:xfrm>
+              <a:off x="8711792" y="2903551"/>
+              <a:ext cx="1897905" cy="2910121"/>
+            </a:xfrm>
+            <a:prstGeom prst="rect">
+              <a:avLst/>
+            </a:prstGeom>
+          </p:spPr>
+        </p:pic>
+        <p:sp>
+          <p:nvSpPr>
+            <p:cNvPr id="10" name="Frame 9">
+              <a:extLst>
+                <a:ext uri="{FF2B5EF4-FFF2-40B4-BE49-F238E27FC236}">
+                  <a16:creationId xmlns:a16="http://schemas.microsoft.com/office/drawing/2014/main" id="{66867653-FF41-394F-BD3C-7277758E4DEF}"/>
+                </a:ext>
+              </a:extLst>
+            </p:cNvPr>
+            <p:cNvSpPr/>
+            <p:nvPr/>
+          </p:nvSpPr>
+          <p:spPr>
+            <a:xfrm>
+              <a:off x="8517744" y="2980705"/>
+              <a:ext cx="2286000" cy="2743200"/>
+            </a:xfrm>
+            <a:prstGeom prst="frame">
+              <a:avLst>
+                <a:gd name="adj1" fmla="val 2102"/>
+              </a:avLst>
+            </a:prstGeom>
+            <a:solidFill>
+              <a:schemeClr val="tx1"/>
+            </a:solidFill>
+            <a:ln>
+              <a:solidFill>
+                <a:schemeClr val="tx1"/>
+              </a:solidFill>
+            </a:ln>
+          </p:spPr>
+          <p:style>
+            <a:lnRef idx="2">
+              <a:schemeClr val="accent1">
+                <a:shade val="50000"/>
+              </a:schemeClr>
+            </a:lnRef>
+            <a:fillRef idx="1">
+              <a:schemeClr val="accent1"/>
+            </a:fillRef>
+            <a:effectRef idx="0">
+              <a:schemeClr val="accent1"/>
+            </a:effectRef>
+            <a:fontRef idx="minor">
+              <a:schemeClr val="lt1"/>
+            </a:fontRef>
+          </p:style>
+          <p:txBody>
+            <a:bodyPr rtlCol="0" anchor="ctr"/>
+            <a:lstStyle/>
+            <a:p>
+              <a:pPr algn="ctr"/>
+              <a:endParaRPr lang="en-US">
+                <a:solidFill>
+                  <a:schemeClr val="tx1"/>
+                </a:solidFill>
+              </a:endParaRPr>
+            </a:p>
+          </p:txBody>
+        </p:sp>
+      </p:grpSp>
+      <p:grpSp>
+        <p:nvGrpSpPr>
+          <p:cNvPr id="14" name="Group 13">
+            <a:extLst>
+              <a:ext uri="{FF2B5EF4-FFF2-40B4-BE49-F238E27FC236}">
+                <a16:creationId xmlns:a16="http://schemas.microsoft.com/office/drawing/2014/main" id="{352AFB91-CD53-6644-8AB2-B102F6DD79A8}"/>
+              </a:ext>
+            </a:extLst>
+          </p:cNvPr>
+          <p:cNvGrpSpPr/>
+          <p:nvPr/>
+        </p:nvGrpSpPr>
+        <p:grpSpPr>
+          <a:xfrm>
+            <a:off x="1528994" y="3417460"/>
+            <a:ext cx="2286000" cy="2743200"/>
+            <a:chOff x="6368474" y="733018"/>
+            <a:chExt cx="2286000" cy="2743200"/>
+          </a:xfrm>
+        </p:grpSpPr>
+        <p:pic>
+          <p:nvPicPr>
+            <p:cNvPr id="7" name="Picture 6">
+              <a:extLst>
+                <a:ext uri="{FF2B5EF4-FFF2-40B4-BE49-F238E27FC236}">
+                  <a16:creationId xmlns:a16="http://schemas.microsoft.com/office/drawing/2014/main" id="{FF92BF12-7408-C240-B630-7FD430912D95}"/>
+                </a:ext>
+              </a:extLst>
+            </p:cNvPr>
+            <p:cNvPicPr>
+              <a:picLocks noChangeAspect="1"/>
+            </p:cNvPicPr>
+            <p:nvPr/>
+          </p:nvPicPr>
+          <p:blipFill>
+            <a:blip r:embed="rId3"/>
+            <a:stretch>
+              <a:fillRect/>
+            </a:stretch>
+          </p:blipFill>
+          <p:spPr>
+            <a:xfrm>
+              <a:off x="6457704" y="868465"/>
+              <a:ext cx="2107540" cy="2472307"/>
+            </a:xfrm>
+            <a:prstGeom prst="rect">
+              <a:avLst/>
+            </a:prstGeom>
+          </p:spPr>
+        </p:pic>
+        <p:sp>
+          <p:nvSpPr>
+            <p:cNvPr id="11" name="Frame 10">
+              <a:extLst>
+                <a:ext uri="{FF2B5EF4-FFF2-40B4-BE49-F238E27FC236}">
+                  <a16:creationId xmlns:a16="http://schemas.microsoft.com/office/drawing/2014/main" id="{4D93665A-56F3-E447-8A69-00737B28FD07}"/>
+                </a:ext>
+              </a:extLst>
+            </p:cNvPr>
+            <p:cNvSpPr/>
+            <p:nvPr/>
+          </p:nvSpPr>
+          <p:spPr>
+            <a:xfrm>
+              <a:off x="6368474" y="733018"/>
+              <a:ext cx="2286000" cy="2743200"/>
+            </a:xfrm>
+            <a:prstGeom prst="frame">
+              <a:avLst>
+                <a:gd name="adj1" fmla="val 2102"/>
+              </a:avLst>
+            </a:prstGeom>
+            <a:solidFill>
+              <a:schemeClr val="tx1"/>
+            </a:solidFill>
+            <a:ln>
+              <a:solidFill>
+                <a:schemeClr val="tx1"/>
+              </a:solidFill>
+            </a:ln>
+          </p:spPr>
+          <p:style>
+            <a:lnRef idx="2">
+              <a:schemeClr val="accent1">
+                <a:shade val="50000"/>
+              </a:schemeClr>
+            </a:lnRef>
+            <a:fillRef idx="1">
+              <a:schemeClr val="accent1"/>
+            </a:fillRef>
+            <a:effectRef idx="0">
+              <a:schemeClr val="accent1"/>
+            </a:effectRef>
+            <a:fontRef idx="minor">
+              <a:schemeClr val="lt1"/>
+            </a:fontRef>
+          </p:style>
+          <p:txBody>
+            <a:bodyPr rtlCol="0" anchor="ctr"/>
+            <a:lstStyle/>
+            <a:p>
+              <a:pPr algn="ctr"/>
+              <a:endParaRPr lang="en-US">
+                <a:solidFill>
+                  <a:schemeClr val="tx1"/>
+                </a:solidFill>
+              </a:endParaRPr>
+            </a:p>
+          </p:txBody>
+        </p:sp>
+      </p:grpSp>
+      <p:grpSp>
+        <p:nvGrpSpPr>
+          <p:cNvPr id="15" name="Group 14">
+            <a:extLst>
+              <a:ext uri="{FF2B5EF4-FFF2-40B4-BE49-F238E27FC236}">
+                <a16:creationId xmlns:a16="http://schemas.microsoft.com/office/drawing/2014/main" id="{62D83454-D8F4-1B44-A5BE-3DFAB1F8561D}"/>
+              </a:ext>
+            </a:extLst>
+          </p:cNvPr>
+          <p:cNvGrpSpPr/>
+          <p:nvPr/>
+        </p:nvGrpSpPr>
+        <p:grpSpPr>
+          <a:xfrm>
+            <a:off x="4953000" y="685800"/>
+            <a:ext cx="2286000" cy="2743200"/>
+            <a:chOff x="2394528" y="1200641"/>
+            <a:chExt cx="2286000" cy="2743200"/>
+          </a:xfrm>
+        </p:grpSpPr>
+        <p:pic>
+          <p:nvPicPr>
+            <p:cNvPr id="5" name="Picture 4">
+              <a:extLst>
+                <a:ext uri="{FF2B5EF4-FFF2-40B4-BE49-F238E27FC236}">
+                  <a16:creationId xmlns:a16="http://schemas.microsoft.com/office/drawing/2014/main" id="{CBCD8149-07CE-244D-B714-9E1F72D8E483}"/>
+                </a:ext>
+              </a:extLst>
+            </p:cNvPr>
+            <p:cNvPicPr>
+              <a:picLocks noChangeAspect="1"/>
+            </p:cNvPicPr>
+            <p:nvPr/>
+          </p:nvPicPr>
+          <p:blipFill>
+            <a:blip r:embed="rId4"/>
+            <a:stretch>
+              <a:fillRect/>
+            </a:stretch>
+          </p:blipFill>
+          <p:spPr>
+            <a:xfrm>
+              <a:off x="2426361" y="1268756"/>
+              <a:ext cx="2222335" cy="2606970"/>
+            </a:xfrm>
+            <a:prstGeom prst="rect">
+              <a:avLst/>
+            </a:prstGeom>
+          </p:spPr>
+        </p:pic>
+        <p:sp>
+          <p:nvSpPr>
+            <p:cNvPr id="12" name="Frame 11">
+              <a:extLst>
+                <a:ext uri="{FF2B5EF4-FFF2-40B4-BE49-F238E27FC236}">
+                  <a16:creationId xmlns:a16="http://schemas.microsoft.com/office/drawing/2014/main" id="{3AFA194B-9BC7-D541-92BA-61615D926272}"/>
+                </a:ext>
+              </a:extLst>
+            </p:cNvPr>
+            <p:cNvSpPr/>
+            <p:nvPr/>
+          </p:nvSpPr>
+          <p:spPr>
+            <a:xfrm>
+              <a:off x="2394528" y="1200641"/>
+              <a:ext cx="2286000" cy="2743200"/>
+            </a:xfrm>
+            <a:prstGeom prst="frame">
+              <a:avLst>
+                <a:gd name="adj1" fmla="val 2102"/>
+              </a:avLst>
+            </a:prstGeom>
+            <a:solidFill>
+              <a:schemeClr val="tx1"/>
+            </a:solidFill>
+            <a:ln>
+              <a:solidFill>
+                <a:schemeClr val="tx1"/>
+              </a:solidFill>
+            </a:ln>
+          </p:spPr>
+          <p:style>
+            <a:lnRef idx="2">
+              <a:schemeClr val="accent1">
+                <a:shade val="50000"/>
+              </a:schemeClr>
+            </a:lnRef>
+            <a:fillRef idx="1">
+              <a:schemeClr val="accent1"/>
+            </a:fillRef>
+            <a:effectRef idx="0">
+              <a:schemeClr val="accent1"/>
+            </a:effectRef>
+            <a:fontRef idx="minor">
+              <a:schemeClr val="lt1"/>
+            </a:fontRef>
+          </p:style>
+          <p:txBody>
+            <a:bodyPr rtlCol="0" anchor="ctr"/>
+            <a:lstStyle/>
+            <a:p>
+              <a:pPr algn="ctr"/>
+              <a:endParaRPr lang="en-US">
+                <a:solidFill>
+                  <a:schemeClr val="tx1"/>
+                </a:solidFill>
+              </a:endParaRPr>
+            </a:p>
+          </p:txBody>
+        </p:sp>
+      </p:grpSp>
+      <p:sp>
+        <p:nvSpPr>
+          <p:cNvPr id="3" name="Bent Arrow 2">
+            <a:extLst>
+              <a:ext uri="{FF2B5EF4-FFF2-40B4-BE49-F238E27FC236}">
+                <a16:creationId xmlns:a16="http://schemas.microsoft.com/office/drawing/2014/main" id="{37156DDD-D014-4F41-A10E-49E0A14B535F}"/>
+              </a:ext>
+            </a:extLst>
+          </p:cNvPr>
+          <p:cNvSpPr/>
+          <p:nvPr/>
+        </p:nvSpPr>
         <p:spPr>
           <a:xfrm>
-            <a:off x="5225556" y="1291323"/>
-            <a:ext cx="1828800" cy="2523744"/>
+            <a:off x="2582764" y="1453214"/>
+            <a:ext cx="2286000" cy="1828800"/>
           </a:xfrm>
-          <a:prstGeom prst="rect">
-            <a:avLst/>
+          <a:prstGeom prst="bentArrow">
+            <a:avLst>
+              <a:gd name="adj1" fmla="val 8465"/>
+              <a:gd name="adj2" fmla="val 9237"/>
+              <a:gd name="adj3" fmla="val 16777"/>
+              <a:gd name="adj4" fmla="val 43750"/>
+            </a:avLst>
           </a:prstGeom>
-        </p:spPr>
-      </p:pic>
-      <p:pic>
-        <p:nvPicPr>
-          <p:cNvPr id="7" name="Picture 6">
-            <a:extLst>
-              <a:ext uri="{FF2B5EF4-FFF2-40B4-BE49-F238E27FC236}">
-                <a16:creationId xmlns:a16="http://schemas.microsoft.com/office/drawing/2014/main" id="{95FDC63E-0EDE-6F42-B633-E70A5B9DFACF}"/>
-              </a:ext>
-            </a:extLst>
-          </p:cNvPr>
-          <p:cNvPicPr>
-            <a:picLocks noChangeAspect="1"/>
-          </p:cNvPicPr>
-          <p:nvPr/>
-        </p:nvPicPr>
-        <p:blipFill>
-          <a:blip r:embed="rId3"/>
-          <a:stretch>
-            <a:fillRect/>
-          </a:stretch>
-        </p:blipFill>
-        <p:spPr>
-          <a:xfrm>
-            <a:off x="3100286" y="4008997"/>
-            <a:ext cx="1828800" cy="2336800"/>
-          </a:xfrm>
-          <a:prstGeom prst="rect">
-            <a:avLst/>
-          </a:prstGeom>
-        </p:spPr>
-      </p:pic>
-      <p:pic>
-        <p:nvPicPr>
-          <p:cNvPr id="9" name="Picture 8">
-            <a:extLst>
-              <a:ext uri="{FF2B5EF4-FFF2-40B4-BE49-F238E27FC236}">
-                <a16:creationId xmlns:a16="http://schemas.microsoft.com/office/drawing/2014/main" id="{7D66CD93-0A3A-4245-BD5A-95DBD0CF487F}"/>
-              </a:ext>
-            </a:extLst>
-          </p:cNvPr>
-          <p:cNvPicPr>
-            <a:picLocks noChangeAspect="1"/>
-          </p:cNvPicPr>
-          <p:nvPr/>
-        </p:nvPicPr>
-        <p:blipFill>
-          <a:blip r:embed="rId4"/>
-          <a:stretch>
-            <a:fillRect/>
-          </a:stretch>
-        </p:blipFill>
-        <p:spPr>
-          <a:xfrm>
-            <a:off x="7718961" y="3429000"/>
-            <a:ext cx="1828800" cy="3122341"/>
-          </a:xfrm>
-          <a:prstGeom prst="rect">
-            <a:avLst/>
-          </a:prstGeom>
-        </p:spPr>
-      </p:pic>
-      <p:cxnSp>
-        <p:nvCxnSpPr>
-          <p:cNvPr id="13" name="Straight Arrow Connector 12">
-            <a:extLst>
-              <a:ext uri="{FF2B5EF4-FFF2-40B4-BE49-F238E27FC236}">
-                <a16:creationId xmlns:a16="http://schemas.microsoft.com/office/drawing/2014/main" id="{A75F9E37-CA6E-6A41-AC4C-239A6C472066}"/>
-              </a:ext>
-            </a:extLst>
-          </p:cNvPr>
-          <p:cNvCxnSpPr>
-            <a:cxnSpLocks/>
-          </p:cNvCxnSpPr>
-          <p:nvPr/>
-        </p:nvCxnSpPr>
-        <p:spPr>
-          <a:xfrm>
-            <a:off x="7137896" y="2516004"/>
-            <a:ext cx="1495465" cy="820962"/>
-          </a:xfrm>
-          <a:prstGeom prst="straightConnector1">
-            <a:avLst/>
-          </a:prstGeom>
-          <a:ln w="38100">
+          <a:solidFill>
+            <a:srgbClr val="FF0000"/>
+          </a:solidFill>
+          <a:ln>
             <a:solidFill>
               <a:srgbClr val="FF0000"/>
             </a:solidFill>
-            <a:tailEnd type="triangle"/>
           </a:ln>
         </p:spPr>
         <p:style>
-          <a:lnRef idx="1">
-            <a:schemeClr val="accent1"/>
+          <a:lnRef idx="2">
+            <a:schemeClr val="accent1">
+              <a:shade val="50000"/>
+            </a:schemeClr>
           </a:lnRef>
-          <a:fillRef idx="0">
+          <a:fillRef idx="1">
             <a:schemeClr val="accent1"/>
           </a:fillRef>
           <a:effectRef idx="0">
             <a:schemeClr val="accent1"/>
           </a:effectRef>
           <a:fontRef idx="minor">
-            <a:schemeClr val="tx1"/>
+            <a:schemeClr val="lt1"/>
           </a:fontRef>
         </p:style>
-      </p:cxnSp>
-      <p:cxnSp>
-        <p:nvCxnSpPr>
-          <p:cNvPr id="14" name="Straight Arrow Connector 13">
-            <a:extLst>
-              <a:ext uri="{FF2B5EF4-FFF2-40B4-BE49-F238E27FC236}">
-                <a16:creationId xmlns:a16="http://schemas.microsoft.com/office/drawing/2014/main" id="{046490DC-50E2-1143-8FF3-D9BBB790ADAB}"/>
-              </a:ext>
-            </a:extLst>
-          </p:cNvPr>
-          <p:cNvCxnSpPr>
-            <a:cxnSpLocks/>
-          </p:cNvCxnSpPr>
+        <p:txBody>
+          <a:bodyPr rtlCol="0" anchor="ctr"/>
+          <a:lstStyle/>
+          <a:p>
+            <a:pPr algn="ctr"/>
+            <a:endParaRPr lang="en-US">
+              <a:solidFill>
+                <a:schemeClr val="tx1"/>
+              </a:solidFill>
+            </a:endParaRPr>
+          </a:p>
+        </p:txBody>
+      </p:sp>
+      <p:sp>
+        <p:nvSpPr>
+          <p:cNvPr id="16" name="Bent Arrow 15">
+            <a:extLst>
+              <a:ext uri="{FF2B5EF4-FFF2-40B4-BE49-F238E27FC236}">
+                <a16:creationId xmlns:a16="http://schemas.microsoft.com/office/drawing/2014/main" id="{78CFEC0D-66A4-F34F-86AB-A82CB4C055AB}"/>
+              </a:ext>
+            </a:extLst>
+          </p:cNvPr>
+          <p:cNvSpPr/>
           <p:nvPr/>
-        </p:nvCxnSpPr>
+        </p:nvSpPr>
         <p:spPr>
-          <a:xfrm flipV="1">
-            <a:off x="4014686" y="2553195"/>
-            <a:ext cx="1127330" cy="1353787"/>
+          <a:xfrm rot="5400000">
+            <a:off x="7649773" y="1244741"/>
+            <a:ext cx="1828800" cy="2286000"/>
           </a:xfrm>
-          <a:prstGeom prst="straightConnector1">
-            <a:avLst/>
+          <a:prstGeom prst="bentArrow">
+            <a:avLst>
+              <a:gd name="adj1" fmla="val 8465"/>
+              <a:gd name="adj2" fmla="val 8913"/>
+              <a:gd name="adj3" fmla="val 14829"/>
+              <a:gd name="adj4" fmla="val 43750"/>
+            </a:avLst>
           </a:prstGeom>
-          <a:ln w="38100">
+          <a:solidFill>
+            <a:srgbClr val="FF0000"/>
+          </a:solidFill>
+          <a:ln>
             <a:solidFill>
               <a:srgbClr val="FF0000"/>
             </a:solidFill>
-            <a:tailEnd type="triangle"/>
           </a:ln>
         </p:spPr>
         <p:style>
-          <a:lnRef idx="1">
-            <a:schemeClr val="accent1"/>
+          <a:lnRef idx="2">
+            <a:schemeClr val="accent1">
+              <a:shade val="50000"/>
+            </a:schemeClr>
           </a:lnRef>
-          <a:fillRef idx="0">
+          <a:fillRef idx="1">
             <a:schemeClr val="accent1"/>
           </a:fillRef>
           <a:effectRef idx="0">
             <a:schemeClr val="accent1"/>
           </a:effectRef>
           <a:fontRef idx="minor">
-            <a:schemeClr val="tx1"/>
+            <a:schemeClr val="lt1"/>
           </a:fontRef>
         </p:style>
-      </p:cxnSp>
-      <p:cxnSp>
-        <p:nvCxnSpPr>
-          <p:cNvPr id="20" name="Straight Arrow Connector 19">
-            <a:extLst>
-              <a:ext uri="{FF2B5EF4-FFF2-40B4-BE49-F238E27FC236}">
-                <a16:creationId xmlns:a16="http://schemas.microsoft.com/office/drawing/2014/main" id="{3BC336E2-B55E-F845-A648-38842350FE7F}"/>
-              </a:ext>
-            </a:extLst>
-          </p:cNvPr>
-          <p:cNvCxnSpPr>
-            <a:cxnSpLocks/>
-          </p:cNvCxnSpPr>
+        <p:txBody>
+          <a:bodyPr rtlCol="0" anchor="ctr"/>
+          <a:lstStyle/>
+          <a:p>
+            <a:pPr algn="ctr"/>
+            <a:endParaRPr lang="en-US">
+              <a:solidFill>
+                <a:schemeClr val="tx1"/>
+              </a:solidFill>
+            </a:endParaRPr>
+          </a:p>
+        </p:txBody>
+      </p:sp>
+      <p:sp>
+        <p:nvSpPr>
+          <p:cNvPr id="18" name="Left Arrow 17">
+            <a:extLst>
+              <a:ext uri="{FF2B5EF4-FFF2-40B4-BE49-F238E27FC236}">
+                <a16:creationId xmlns:a16="http://schemas.microsoft.com/office/drawing/2014/main" id="{D9FD82F4-94E5-364C-934C-0ACCC1E18A1D}"/>
+              </a:ext>
+            </a:extLst>
+          </p:cNvPr>
+          <p:cNvSpPr/>
           <p:nvPr/>
-        </p:nvCxnSpPr>
+        </p:nvSpPr>
         <p:spPr>
-          <a:xfrm flipH="1">
-            <a:off x="4990193" y="5234625"/>
-            <a:ext cx="2621890" cy="0"/>
+          <a:xfrm>
+            <a:off x="4263242" y="4892634"/>
+            <a:ext cx="3657599" cy="344384"/>
           </a:xfrm>
-          <a:prstGeom prst="straightConnector1">
-            <a:avLst/>
+          <a:prstGeom prst="leftArrow">
+            <a:avLst>
+              <a:gd name="adj1" fmla="val 50000"/>
+              <a:gd name="adj2" fmla="val 91379"/>
+            </a:avLst>
           </a:prstGeom>
-          <a:ln w="38100">
+          <a:solidFill>
+            <a:srgbClr val="FF0000"/>
+          </a:solidFill>
+          <a:ln>
             <a:solidFill>
               <a:srgbClr val="FF0000"/>
             </a:solidFill>
-            <a:tailEnd type="triangle"/>
           </a:ln>
         </p:spPr>
         <p:style>
-          <a:lnRef idx="1">
-            <a:schemeClr val="accent1"/>
+          <a:lnRef idx="2">
+            <a:schemeClr val="accent1">
+              <a:shade val="50000"/>
+            </a:schemeClr>
           </a:lnRef>
-          <a:fillRef idx="0">
+          <a:fillRef idx="1">
             <a:schemeClr val="accent1"/>
           </a:fillRef>
           <a:effectRef idx="0">
             <a:schemeClr val="accent1"/>
           </a:effectRef>
           <a:fontRef idx="minor">
-            <a:schemeClr val="tx1"/>
+            <a:schemeClr val="lt1"/>
           </a:fontRef>
         </p:style>
-      </p:cxnSp>
+        <p:txBody>
+          <a:bodyPr rtlCol="0" anchor="ctr"/>
+          <a:lstStyle/>
+          <a:p>
+            <a:pPr algn="ctr"/>
+            <a:endParaRPr lang="en-US"/>
+          </a:p>
+        </p:txBody>
+      </p:sp>
       <mc:AlternateContent xmlns:mc="http://schemas.openxmlformats.org/markup-compatibility/2006">
         <mc:Choice xmlns:a14="http://schemas.microsoft.com/office/drawing/2010/main" Requires="a14">
           <p:sp>
             <p:nvSpPr>
-              <p:cNvPr id="23" name="TextBox 22">
+              <p:cNvPr id="19" name="TextBox 18">
                 <a:extLst>
                   <a:ext uri="{FF2B5EF4-FFF2-40B4-BE49-F238E27FC236}">
-                    <a16:creationId xmlns:a16="http://schemas.microsoft.com/office/drawing/2014/main" id="{D72A6A94-76CD-5043-86C6-A1F6D1378D0F}"/>
+                    <a16:creationId xmlns:a16="http://schemas.microsoft.com/office/drawing/2014/main" id="{23ECF006-E34E-6B47-92A9-119D754E551E}"/>
                   </a:ext>
                 </a:extLst>
               </p:cNvPr>
@@ -3558,8 +3883,8 @@
               <p:nvPr/>
             </p:nvSpPr>
             <p:spPr>
-              <a:xfrm rot="18525614">
-                <a:off x="3829456" y="3011164"/>
+              <a:xfrm>
+                <a:off x="5652768" y="4558296"/>
                 <a:ext cx="899285" cy="369332"/>
               </a:xfrm>
               <a:prstGeom prst="rect">
@@ -3603,10 +3928,10 @@
         <mc:Fallback>
           <p:sp>
             <p:nvSpPr>
-              <p:cNvPr id="23" name="TextBox 22">
+              <p:cNvPr id="19" name="TextBox 18">
                 <a:extLst>
                   <a:ext uri="{FF2B5EF4-FFF2-40B4-BE49-F238E27FC236}">
-                    <a16:creationId xmlns:a16="http://schemas.microsoft.com/office/drawing/2014/main" id="{D72A6A94-76CD-5043-86C6-A1F6D1378D0F}"/>
+                    <a16:creationId xmlns:a16="http://schemas.microsoft.com/office/drawing/2014/main" id="{23ECF006-E34E-6B47-92A9-119D754E551E}"/>
                   </a:ext>
                 </a:extLst>
               </p:cNvPr>
@@ -3616,8 +3941,8 @@
               <p:nvPr/>
             </p:nvSpPr>
             <p:spPr>
-              <a:xfrm rot="18525614">
-                <a:off x="3829456" y="3011164"/>
+              <a:xfrm>
+                <a:off x="5652768" y="4558296"/>
                 <a:ext cx="899285" cy="369332"/>
               </a:xfrm>
               <a:prstGeom prst="rect">
@@ -3626,7 +3951,7 @@
               <a:blipFill>
                 <a:blip r:embed="rId5"/>
                 <a:stretch>
-                  <a:fillRect l="-4478" t="-4054" r="-7463" b="-8108"/>
+                  <a:fillRect l="-6944" r="-6944" b="-6667"/>
                 </a:stretch>
               </a:blipFill>
             </p:spPr>
@@ -3649,10 +3974,10 @@
         <mc:Choice xmlns:a14="http://schemas.microsoft.com/office/drawing/2010/main" Requires="a14">
           <p:sp>
             <p:nvSpPr>
-              <p:cNvPr id="24" name="TextBox 23">
+              <p:cNvPr id="20" name="TextBox 19">
                 <a:extLst>
                   <a:ext uri="{FF2B5EF4-FFF2-40B4-BE49-F238E27FC236}">
-                    <a16:creationId xmlns:a16="http://schemas.microsoft.com/office/drawing/2014/main" id="{BFAEC379-CB7C-CA4C-B02A-908BD9C8955A}"/>
+                    <a16:creationId xmlns:a16="http://schemas.microsoft.com/office/drawing/2014/main" id="{E1F8858D-330E-C34A-B39E-31296B98741E}"/>
                   </a:ext>
                 </a:extLst>
               </p:cNvPr>
@@ -3660,8 +3985,8 @@
               <p:nvPr/>
             </p:nvSpPr>
             <p:spPr>
-              <a:xfrm rot="1732808">
-                <a:off x="7519110" y="2487279"/>
+              <a:xfrm>
+                <a:off x="7823973" y="1682491"/>
                 <a:ext cx="899285" cy="369332"/>
               </a:xfrm>
               <a:prstGeom prst="rect">
@@ -3705,10 +4030,10 @@
         <mc:Fallback>
           <p:sp>
             <p:nvSpPr>
-              <p:cNvPr id="24" name="TextBox 23">
+              <p:cNvPr id="20" name="TextBox 19">
                 <a:extLst>
                   <a:ext uri="{FF2B5EF4-FFF2-40B4-BE49-F238E27FC236}">
-                    <a16:creationId xmlns:a16="http://schemas.microsoft.com/office/drawing/2014/main" id="{BFAEC379-CB7C-CA4C-B02A-908BD9C8955A}"/>
+                    <a16:creationId xmlns:a16="http://schemas.microsoft.com/office/drawing/2014/main" id="{E1F8858D-330E-C34A-B39E-31296B98741E}"/>
                   </a:ext>
                 </a:extLst>
               </p:cNvPr>
@@ -3718,8 +4043,8 @@
               <p:nvPr/>
             </p:nvSpPr>
             <p:spPr>
-              <a:xfrm rot="1732808">
-                <a:off x="7519110" y="2487279"/>
+              <a:xfrm>
+                <a:off x="7823973" y="1682491"/>
                 <a:ext cx="899285" cy="369332"/>
               </a:xfrm>
               <a:prstGeom prst="rect">
@@ -3728,7 +4053,7 @@
               <a:blipFill>
                 <a:blip r:embed="rId6"/>
                 <a:stretch>
-                  <a:fillRect l="-6494" t="-1667" r="-5195" b="-8333"/>
+                  <a:fillRect l="-6944" r="-6944" b="-6667"/>
                 </a:stretch>
               </a:blipFill>
             </p:spPr>
@@ -3751,10 +4076,10 @@
         <mc:Choice xmlns:a14="http://schemas.microsoft.com/office/drawing/2010/main" Requires="a14">
           <p:sp>
             <p:nvSpPr>
-              <p:cNvPr id="25" name="TextBox 24">
+              <p:cNvPr id="21" name="TextBox 20">
                 <a:extLst>
                   <a:ext uri="{FF2B5EF4-FFF2-40B4-BE49-F238E27FC236}">
-                    <a16:creationId xmlns:a16="http://schemas.microsoft.com/office/drawing/2014/main" id="{640662AE-DBCB-D942-B30B-5BE673160BFC}"/>
+                    <a16:creationId xmlns:a16="http://schemas.microsoft.com/office/drawing/2014/main" id="{0AEEE30E-67AE-5043-9C93-2183E7EB9AB5}"/>
                   </a:ext>
                 </a:extLst>
               </p:cNvPr>
@@ -3763,7 +4088,7 @@
             </p:nvSpPr>
             <p:spPr>
               <a:xfrm>
-                <a:off x="5851495" y="4809003"/>
+                <a:off x="3436601" y="1753741"/>
                 <a:ext cx="899285" cy="369332"/>
               </a:xfrm>
               <a:prstGeom prst="rect">
@@ -3807,10 +4132,10 @@
         <mc:Fallback>
           <p:sp>
             <p:nvSpPr>
-              <p:cNvPr id="25" name="TextBox 24">
+              <p:cNvPr id="21" name="TextBox 20">
                 <a:extLst>
                   <a:ext uri="{FF2B5EF4-FFF2-40B4-BE49-F238E27FC236}">
-                    <a16:creationId xmlns:a16="http://schemas.microsoft.com/office/drawing/2014/main" id="{640662AE-DBCB-D942-B30B-5BE673160BFC}"/>
+                    <a16:creationId xmlns:a16="http://schemas.microsoft.com/office/drawing/2014/main" id="{0AEEE30E-67AE-5043-9C93-2183E7EB9AB5}"/>
                   </a:ext>
                 </a:extLst>
               </p:cNvPr>
@@ -3821,7 +4146,7 @@
             </p:nvSpPr>
             <p:spPr>
               <a:xfrm>
-                <a:off x="5851495" y="4809003"/>
+                <a:off x="3436601" y="1753741"/>
                 <a:ext cx="899285" cy="369332"/>
               </a:xfrm>
               <a:prstGeom prst="rect">
@@ -3830,7 +4155,7 @@
               <a:blipFill>
                 <a:blip r:embed="rId7"/>
                 <a:stretch>
-                  <a:fillRect l="-6944" r="-6944" b="-6667"/>
+                  <a:fillRect l="-8451" r="-8451" b="-6667"/>
                 </a:stretch>
               </a:blipFill>
             </p:spPr>
@@ -3852,7 +4177,7 @@
     </p:spTree>
     <p:extLst>
       <p:ext uri="{BB962C8B-B14F-4D97-AF65-F5344CB8AC3E}">
-        <p14:creationId xmlns:p14="http://schemas.microsoft.com/office/powerpoint/2010/main" val="647373976"/>
+        <p14:creationId xmlns:p14="http://schemas.microsoft.com/office/powerpoint/2010/main" val="3954454070"/>
       </p:ext>
     </p:extLst>
   </p:cSld>

--- a/img/schematic.pptx
+++ b/img/schematic.pptx
@@ -132,6 +132,91 @@
             <a:srgbClr val="A4A3A4"/>
           </p15:clr>
         </p15:guide>
+        <p15:guide id="6" orient="horz" pos="1008" userDrawn="1">
+          <p15:clr>
+            <a:srgbClr val="A4A3A4"/>
+          </p15:clr>
+        </p15:guide>
+        <p15:guide id="7" orient="horz" pos="2016" userDrawn="1">
+          <p15:clr>
+            <a:srgbClr val="A4A3A4"/>
+          </p15:clr>
+        </p15:guide>
+        <p15:guide id="8" pos="3120" userDrawn="1">
+          <p15:clr>
+            <a:srgbClr val="A4A3A4"/>
+          </p15:clr>
+        </p15:guide>
+        <p15:guide id="9" pos="4560" userDrawn="1">
+          <p15:clr>
+            <a:srgbClr val="A4A3A4"/>
+          </p15:clr>
+        </p15:guide>
+        <p15:guide id="10" pos="4704" userDrawn="1">
+          <p15:clr>
+            <a:srgbClr val="A4A3A4"/>
+          </p15:clr>
+        </p15:guide>
+        <p15:guide id="11" pos="2976" userDrawn="1">
+          <p15:clr>
+            <a:srgbClr val="A4A3A4"/>
+          </p15:clr>
+        </p15:guide>
+        <p15:guide id="12" orient="horz" pos="1152" userDrawn="1">
+          <p15:clr>
+            <a:srgbClr val="A4A3A4"/>
+          </p15:clr>
+        </p15:guide>
+        <p15:guide id="13" pos="2688" userDrawn="1">
+          <p15:clr>
+            <a:srgbClr val="A4A3A4"/>
+          </p15:clr>
+        </p15:guide>
+        <p15:guide id="14" pos="4992" userDrawn="1">
+          <p15:clr>
+            <a:srgbClr val="A4A3A4"/>
+          </p15:clr>
+        </p15:guide>
+        <p15:guide id="15" pos="5280" userDrawn="1">
+          <p15:clr>
+            <a:srgbClr val="A4A3A4"/>
+          </p15:clr>
+        </p15:guide>
+        <p15:guide id="16" pos="5136" userDrawn="1">
+          <p15:clr>
+            <a:srgbClr val="A4A3A4"/>
+          </p15:clr>
+        </p15:guide>
+        <p15:guide id="17" pos="2544" userDrawn="1">
+          <p15:clr>
+            <a:srgbClr val="A4A3A4"/>
+          </p15:clr>
+        </p15:guide>
+        <p15:guide id="18" pos="1680" userDrawn="1">
+          <p15:clr>
+            <a:srgbClr val="A4A3A4"/>
+          </p15:clr>
+        </p15:guide>
+        <p15:guide id="19" pos="6000" userDrawn="1">
+          <p15:clr>
+            <a:srgbClr val="A4A3A4"/>
+          </p15:clr>
+        </p15:guide>
+        <p15:guide id="20" orient="horz" pos="3024" userDrawn="1">
+          <p15:clr>
+            <a:srgbClr val="A4A3A4"/>
+          </p15:clr>
+        </p15:guide>
+        <p15:guide id="21" orient="horz" pos="3168" userDrawn="1">
+          <p15:clr>
+            <a:srgbClr val="A4A3A4"/>
+          </p15:clr>
+        </p15:guide>
+        <p15:guide id="22" orient="horz" pos="2160" userDrawn="1">
+          <p15:clr>
+            <a:srgbClr val="A4A3A4"/>
+          </p15:clr>
+        </p15:guide>
       </p15:sldGuideLst>
     </p:ext>
   </p:extLst>
@@ -285,7 +370,7 @@
           <a:p>
             <a:fld id="{9E45FE34-4D7E-D046-9D0C-58108319F6CE}" type="datetimeFigureOut">
               <a:rPr lang="en-US" smtClean="0"/>
-              <a:t>8/11/19</a:t>
+              <a:t>8/13/19</a:t>
             </a:fld>
             <a:endParaRPr lang="en-US"/>
           </a:p>
@@ -483,7 +568,7 @@
           <a:p>
             <a:fld id="{9E45FE34-4D7E-D046-9D0C-58108319F6CE}" type="datetimeFigureOut">
               <a:rPr lang="en-US" smtClean="0"/>
-              <a:t>8/11/19</a:t>
+              <a:t>8/13/19</a:t>
             </a:fld>
             <a:endParaRPr lang="en-US"/>
           </a:p>
@@ -691,7 +776,7 @@
           <a:p>
             <a:fld id="{9E45FE34-4D7E-D046-9D0C-58108319F6CE}" type="datetimeFigureOut">
               <a:rPr lang="en-US" smtClean="0"/>
-              <a:t>8/11/19</a:t>
+              <a:t>8/13/19</a:t>
             </a:fld>
             <a:endParaRPr lang="en-US"/>
           </a:p>
@@ -889,7 +974,7 @@
           <a:p>
             <a:fld id="{9E45FE34-4D7E-D046-9D0C-58108319F6CE}" type="datetimeFigureOut">
               <a:rPr lang="en-US" smtClean="0"/>
-              <a:t>8/11/19</a:t>
+              <a:t>8/13/19</a:t>
             </a:fld>
             <a:endParaRPr lang="en-US"/>
           </a:p>
@@ -1164,7 +1249,7 @@
           <a:p>
             <a:fld id="{9E45FE34-4D7E-D046-9D0C-58108319F6CE}" type="datetimeFigureOut">
               <a:rPr lang="en-US" smtClean="0"/>
-              <a:t>8/11/19</a:t>
+              <a:t>8/13/19</a:t>
             </a:fld>
             <a:endParaRPr lang="en-US"/>
           </a:p>
@@ -1429,7 +1514,7 @@
           <a:p>
             <a:fld id="{9E45FE34-4D7E-D046-9D0C-58108319F6CE}" type="datetimeFigureOut">
               <a:rPr lang="en-US" smtClean="0"/>
-              <a:t>8/11/19</a:t>
+              <a:t>8/13/19</a:t>
             </a:fld>
             <a:endParaRPr lang="en-US"/>
           </a:p>
@@ -1841,7 +1926,7 @@
           <a:p>
             <a:fld id="{9E45FE34-4D7E-D046-9D0C-58108319F6CE}" type="datetimeFigureOut">
               <a:rPr lang="en-US" smtClean="0"/>
-              <a:t>8/11/19</a:t>
+              <a:t>8/13/19</a:t>
             </a:fld>
             <a:endParaRPr lang="en-US"/>
           </a:p>
@@ -1982,7 +2067,7 @@
           <a:p>
             <a:fld id="{9E45FE34-4D7E-D046-9D0C-58108319F6CE}" type="datetimeFigureOut">
               <a:rPr lang="en-US" smtClean="0"/>
-              <a:t>8/11/19</a:t>
+              <a:t>8/13/19</a:t>
             </a:fld>
             <a:endParaRPr lang="en-US"/>
           </a:p>
@@ -2095,7 +2180,7 @@
           <a:p>
             <a:fld id="{9E45FE34-4D7E-D046-9D0C-58108319F6CE}" type="datetimeFigureOut">
               <a:rPr lang="en-US" smtClean="0"/>
-              <a:t>8/11/19</a:t>
+              <a:t>8/13/19</a:t>
             </a:fld>
             <a:endParaRPr lang="en-US"/>
           </a:p>
@@ -2406,7 +2491,7 @@
           <a:p>
             <a:fld id="{9E45FE34-4D7E-D046-9D0C-58108319F6CE}" type="datetimeFigureOut">
               <a:rPr lang="en-US" smtClean="0"/>
-              <a:t>8/11/19</a:t>
+              <a:t>8/13/19</a:t>
             </a:fld>
             <a:endParaRPr lang="en-US"/>
           </a:p>
@@ -2694,7 +2779,7 @@
           <a:p>
             <a:fld id="{9E45FE34-4D7E-D046-9D0C-58108319F6CE}" type="datetimeFigureOut">
               <a:rPr lang="en-US" smtClean="0"/>
-              <a:t>8/11/19</a:t>
+              <a:t>8/13/19</a:t>
             </a:fld>
             <a:endParaRPr lang="en-US"/>
           </a:p>
@@ -2935,7 +3020,7 @@
           <a:p>
             <a:fld id="{9E45FE34-4D7E-D046-9D0C-58108319F6CE}" type="datetimeFigureOut">
               <a:rPr lang="en-US" smtClean="0"/>
-              <a:t>8/11/19</a:t>
+              <a:t>8/13/19</a:t>
             </a:fld>
             <a:endParaRPr lang="en-US"/>
           </a:p>
@@ -3366,7 +3451,7 @@
         </p:nvGrpSpPr>
         <p:grpSpPr>
           <a:xfrm>
-            <a:off x="8370125" y="3340718"/>
+            <a:off x="8370125" y="3352593"/>
             <a:ext cx="2286000" cy="2910121"/>
             <a:chOff x="8517744" y="2903551"/>
             <a:chExt cx="2286000" cy="2910121"/>
@@ -3477,7 +3562,7 @@
         </p:nvGrpSpPr>
         <p:grpSpPr>
           <a:xfrm>
-            <a:off x="1528994" y="3417460"/>
+            <a:off x="1528994" y="3429335"/>
             <a:ext cx="2286000" cy="2743200"/>
             <a:chOff x="6368474" y="733018"/>
             <a:chExt cx="2286000" cy="2743200"/>
@@ -3699,12 +3784,12 @@
         </p:nvSpPr>
         <p:spPr>
           <a:xfrm>
-            <a:off x="2582764" y="1453214"/>
-            <a:ext cx="2286000" cy="1828800"/>
+            <a:off x="2619500" y="1484417"/>
+            <a:ext cx="2104900" cy="1715984"/>
           </a:xfrm>
           <a:prstGeom prst="bentArrow">
             <a:avLst>
-              <a:gd name="adj1" fmla="val 8465"/>
+              <a:gd name="adj1" fmla="val 5218"/>
               <a:gd name="adj2" fmla="val 9237"/>
               <a:gd name="adj3" fmla="val 16777"/>
               <a:gd name="adj4" fmla="val 43750"/>
@@ -3750,10 +3835,10 @@
       </p:sp>
       <p:sp>
         <p:nvSpPr>
-          <p:cNvPr id="16" name="Bent Arrow 15">
-            <a:extLst>
-              <a:ext uri="{FF2B5EF4-FFF2-40B4-BE49-F238E27FC236}">
-                <a16:creationId xmlns:a16="http://schemas.microsoft.com/office/drawing/2014/main" id="{78CFEC0D-66A4-F34F-86AB-A82CB4C055AB}"/>
+          <p:cNvPr id="18" name="Left Arrow 17">
+            <a:extLst>
+              <a:ext uri="{FF2B5EF4-FFF2-40B4-BE49-F238E27FC236}">
+                <a16:creationId xmlns:a16="http://schemas.microsoft.com/office/drawing/2014/main" id="{D9FD82F4-94E5-364C-934C-0ACCC1E18A1D}"/>
               </a:ext>
             </a:extLst>
           </p:cNvPr>
@@ -3761,76 +3846,13 @@
           <p:nvPr/>
         </p:nvSpPr>
         <p:spPr>
-          <a:xfrm rot="5400000">
-            <a:off x="7649773" y="1244741"/>
-            <a:ext cx="1828800" cy="2286000"/>
-          </a:xfrm>
-          <a:prstGeom prst="bentArrow">
-            <a:avLst>
-              <a:gd name="adj1" fmla="val 8465"/>
-              <a:gd name="adj2" fmla="val 8913"/>
-              <a:gd name="adj3" fmla="val 14829"/>
-              <a:gd name="adj4" fmla="val 43750"/>
-            </a:avLst>
-          </a:prstGeom>
-          <a:solidFill>
-            <a:srgbClr val="FF0000"/>
-          </a:solidFill>
-          <a:ln>
-            <a:solidFill>
-              <a:srgbClr val="FF0000"/>
-            </a:solidFill>
-          </a:ln>
-        </p:spPr>
-        <p:style>
-          <a:lnRef idx="2">
-            <a:schemeClr val="accent1">
-              <a:shade val="50000"/>
-            </a:schemeClr>
-          </a:lnRef>
-          <a:fillRef idx="1">
-            <a:schemeClr val="accent1"/>
-          </a:fillRef>
-          <a:effectRef idx="0">
-            <a:schemeClr val="accent1"/>
-          </a:effectRef>
-          <a:fontRef idx="minor">
-            <a:schemeClr val="lt1"/>
-          </a:fontRef>
-        </p:style>
-        <p:txBody>
-          <a:bodyPr rtlCol="0" anchor="ctr"/>
-          <a:lstStyle/>
-          <a:p>
-            <a:pPr algn="ctr"/>
-            <a:endParaRPr lang="en-US">
-              <a:solidFill>
-                <a:schemeClr val="tx1"/>
-              </a:solidFill>
-            </a:endParaRPr>
-          </a:p>
-        </p:txBody>
-      </p:sp>
-      <p:sp>
-        <p:nvSpPr>
-          <p:cNvPr id="18" name="Left Arrow 17">
-            <a:extLst>
-              <a:ext uri="{FF2B5EF4-FFF2-40B4-BE49-F238E27FC236}">
-                <a16:creationId xmlns:a16="http://schemas.microsoft.com/office/drawing/2014/main" id="{D9FD82F4-94E5-364C-934C-0ACCC1E18A1D}"/>
-              </a:ext>
-            </a:extLst>
-          </p:cNvPr>
-          <p:cNvSpPr/>
-          <p:nvPr/>
-        </p:nvSpPr>
-        <p:spPr>
           <a:xfrm>
-            <a:off x="4263242" y="4892634"/>
-            <a:ext cx="3657599" cy="344384"/>
+            <a:off x="4038600" y="4809509"/>
+            <a:ext cx="4114800" cy="344384"/>
           </a:xfrm>
           <a:prstGeom prst="leftArrow">
             <a:avLst>
-              <a:gd name="adj1" fmla="val 50000"/>
+              <a:gd name="adj1" fmla="val 29309"/>
               <a:gd name="adj2" fmla="val 91379"/>
             </a:avLst>
           </a:prstGeom>
@@ -3884,8 +3906,8 @@
             </p:nvSpPr>
             <p:spPr>
               <a:xfrm>
-                <a:off x="5652768" y="4558296"/>
-                <a:ext cx="899285" cy="369332"/>
+                <a:off x="5569643" y="4368296"/>
+                <a:ext cx="1049967" cy="430887"/>
               </a:xfrm>
               <a:prstGeom prst="rect">
                 <a:avLst/>
@@ -3898,6 +3920,7 @@
               </a:bodyPr>
               <a:lstStyle/>
               <a:p>
+                <a:pPr/>
                 <a14:m>
                   <m:oMathPara xmlns:m="http://schemas.openxmlformats.org/officeDocument/2006/math">
                     <m:oMathParaPr>
@@ -3905,9 +3928,9 @@
                     </m:oMathParaPr>
                     <m:oMath xmlns:m="http://schemas.openxmlformats.org/officeDocument/2006/math">
                       <m:r>
-                        <a:rPr lang="en-US" sz="2400" b="1" i="1" smtClean="0">
+                        <a:rPr lang="en-US" sz="2800" b="1" i="1" smtClean="0">
                           <a:solidFill>
-                            <a:srgbClr val="FF0000"/>
+                            <a:schemeClr val="tx1"/>
                           </a:solidFill>
                           <a:latin typeface="Cambria Math" panose="02040503050406030204" pitchFamily="18" charset="0"/>
                         </a:rPr>
@@ -3916,9 +3939,9 @@
                     </m:oMath>
                   </m:oMathPara>
                 </a14:m>
-                <a:endParaRPr lang="en-US" sz="2400" b="1" dirty="0">
+                <a:endParaRPr lang="en-US" sz="2800" b="1" dirty="0">
                   <a:solidFill>
-                    <a:srgbClr val="FF0000"/>
+                    <a:schemeClr val="tx1"/>
                   </a:solidFill>
                 </a:endParaRPr>
               </a:p>
@@ -3942,8 +3965,8 @@
             </p:nvSpPr>
             <p:spPr>
               <a:xfrm>
-                <a:off x="5652768" y="4558296"/>
-                <a:ext cx="899285" cy="369332"/>
+                <a:off x="5569643" y="4368296"/>
+                <a:ext cx="1049967" cy="430887"/>
               </a:xfrm>
               <a:prstGeom prst="rect">
                 <a:avLst/>
@@ -3951,7 +3974,7 @@
               <a:blipFill>
                 <a:blip r:embed="rId5"/>
                 <a:stretch>
-                  <a:fillRect l="-6944" r="-6944" b="-6667"/>
+                  <a:fillRect l="-7229" r="-8434" b="-5714"/>
                 </a:stretch>
               </a:blipFill>
             </p:spPr>
@@ -3986,8 +4009,8 @@
             </p:nvSpPr>
             <p:spPr>
               <a:xfrm>
-                <a:off x="7823973" y="1682491"/>
-                <a:ext cx="899285" cy="369332"/>
+                <a:off x="7930849" y="1836869"/>
+                <a:ext cx="1049967" cy="430887"/>
               </a:xfrm>
               <a:prstGeom prst="rect">
                 <a:avLst/>
@@ -4000,6 +4023,7 @@
               </a:bodyPr>
               <a:lstStyle/>
               <a:p>
+                <a:pPr/>
                 <a14:m>
                   <m:oMathPara xmlns:m="http://schemas.openxmlformats.org/officeDocument/2006/math">
                     <m:oMathParaPr>
@@ -4007,9 +4031,9 @@
                     </m:oMathParaPr>
                     <m:oMath xmlns:m="http://schemas.openxmlformats.org/officeDocument/2006/math">
                       <m:r>
-                        <a:rPr lang="en-US" sz="2400" b="1" i="1" smtClean="0">
+                        <a:rPr lang="en-US" sz="2800" b="1" i="1" smtClean="0">
                           <a:solidFill>
-                            <a:srgbClr val="FF0000"/>
+                            <a:schemeClr val="tx1"/>
                           </a:solidFill>
                           <a:latin typeface="Cambria Math" panose="02040503050406030204" pitchFamily="18" charset="0"/>
                         </a:rPr>
@@ -4018,9 +4042,9 @@
                     </m:oMath>
                   </m:oMathPara>
                 </a14:m>
-                <a:endParaRPr lang="en-US" sz="2400" b="1" dirty="0">
+                <a:endParaRPr lang="en-US" sz="2800" b="1" dirty="0">
                   <a:solidFill>
-                    <a:srgbClr val="FF0000"/>
+                    <a:schemeClr val="tx1"/>
                   </a:solidFill>
                 </a:endParaRPr>
               </a:p>
@@ -4044,8 +4068,8 @@
             </p:nvSpPr>
             <p:spPr>
               <a:xfrm>
-                <a:off x="7823973" y="1682491"/>
-                <a:ext cx="899285" cy="369332"/>
+                <a:off x="7930849" y="1836869"/>
+                <a:ext cx="1049967" cy="430887"/>
               </a:xfrm>
               <a:prstGeom prst="rect">
                 <a:avLst/>
@@ -4053,7 +4077,7 @@
               <a:blipFill>
                 <a:blip r:embed="rId6"/>
                 <a:stretch>
-                  <a:fillRect l="-6944" r="-6944" b="-6667"/>
+                  <a:fillRect l="-8434" r="-7229" b="-2857"/>
                 </a:stretch>
               </a:blipFill>
             </p:spPr>
@@ -4088,8 +4112,8 @@
             </p:nvSpPr>
             <p:spPr>
               <a:xfrm>
-                <a:off x="3436601" y="1753741"/>
-                <a:ext cx="899285" cy="369332"/>
+                <a:off x="3210975" y="1836867"/>
+                <a:ext cx="1049967" cy="430887"/>
               </a:xfrm>
               <a:prstGeom prst="rect">
                 <a:avLst/>
@@ -4102,6 +4126,7 @@
               </a:bodyPr>
               <a:lstStyle/>
               <a:p>
+                <a:pPr/>
                 <a14:m>
                   <m:oMathPara xmlns:m="http://schemas.openxmlformats.org/officeDocument/2006/math">
                     <m:oMathParaPr>
@@ -4109,9 +4134,9 @@
                     </m:oMathParaPr>
                     <m:oMath xmlns:m="http://schemas.openxmlformats.org/officeDocument/2006/math">
                       <m:r>
-                        <a:rPr lang="en-US" sz="2400" b="1" i="1" smtClean="0">
+                        <a:rPr lang="en-US" sz="2800" b="1" i="1" smtClean="0">
                           <a:solidFill>
-                            <a:srgbClr val="FF0000"/>
+                            <a:schemeClr val="tx1"/>
                           </a:solidFill>
                           <a:latin typeface="Cambria Math" panose="02040503050406030204" pitchFamily="18" charset="0"/>
                         </a:rPr>
@@ -4120,9 +4145,9 @@
                     </m:oMath>
                   </m:oMathPara>
                 </a14:m>
-                <a:endParaRPr lang="en-US" sz="2400" b="1" dirty="0">
+                <a:endParaRPr lang="en-US" sz="2800" b="1" dirty="0">
                   <a:solidFill>
-                    <a:srgbClr val="FF0000"/>
+                    <a:schemeClr val="tx1"/>
                   </a:solidFill>
                 </a:endParaRPr>
               </a:p>
@@ -4146,8 +4171,8 @@
             </p:nvSpPr>
             <p:spPr>
               <a:xfrm>
-                <a:off x="3436601" y="1753741"/>
-                <a:ext cx="899285" cy="369332"/>
+                <a:off x="3210975" y="1836867"/>
+                <a:ext cx="1049967" cy="430887"/>
               </a:xfrm>
               <a:prstGeom prst="rect">
                 <a:avLst/>
@@ -4155,7 +4180,7 @@
               <a:blipFill>
                 <a:blip r:embed="rId7"/>
                 <a:stretch>
-                  <a:fillRect l="-8451" r="-8451" b="-6667"/>
+                  <a:fillRect l="-7143" r="-7143" b="-2857"/>
                 </a:stretch>
               </a:blipFill>
             </p:spPr>
@@ -4174,6 +4199,69 @@
           </p:sp>
         </mc:Fallback>
       </mc:AlternateContent>
+      <p:sp>
+        <p:nvSpPr>
+          <p:cNvPr id="17" name="Bent Arrow 16">
+            <a:extLst>
+              <a:ext uri="{FF2B5EF4-FFF2-40B4-BE49-F238E27FC236}">
+                <a16:creationId xmlns:a16="http://schemas.microsoft.com/office/drawing/2014/main" id="{7469CCB1-B4F5-5E43-9DDF-E8B47AC0E54E}"/>
+              </a:ext>
+            </a:extLst>
+          </p:cNvPr>
+          <p:cNvSpPr/>
+          <p:nvPr/>
+        </p:nvSpPr>
+        <p:spPr>
+          <a:xfrm rot="5400000">
+            <a:off x="7777271" y="1299283"/>
+            <a:ext cx="1600200" cy="2202038"/>
+          </a:xfrm>
+          <a:prstGeom prst="bentArrow">
+            <a:avLst>
+              <a:gd name="adj1" fmla="val 5218"/>
+              <a:gd name="adj2" fmla="val 9237"/>
+              <a:gd name="adj3" fmla="val 16777"/>
+              <a:gd name="adj4" fmla="val 43750"/>
+            </a:avLst>
+          </a:prstGeom>
+          <a:solidFill>
+            <a:srgbClr val="FF0000"/>
+          </a:solidFill>
+          <a:ln>
+            <a:solidFill>
+              <a:srgbClr val="FF0000"/>
+            </a:solidFill>
+          </a:ln>
+        </p:spPr>
+        <p:style>
+          <a:lnRef idx="2">
+            <a:schemeClr val="accent1">
+              <a:shade val="50000"/>
+            </a:schemeClr>
+          </a:lnRef>
+          <a:fillRef idx="1">
+            <a:schemeClr val="accent1"/>
+          </a:fillRef>
+          <a:effectRef idx="0">
+            <a:schemeClr val="accent1"/>
+          </a:effectRef>
+          <a:fontRef idx="minor">
+            <a:schemeClr val="lt1"/>
+          </a:fontRef>
+        </p:style>
+        <p:txBody>
+          <a:bodyPr rtlCol="0" anchor="ctr"/>
+          <a:lstStyle/>
+          <a:p>
+            <a:pPr algn="ctr"/>
+            <a:endParaRPr lang="en-US">
+              <a:solidFill>
+                <a:schemeClr val="tx1"/>
+              </a:solidFill>
+            </a:endParaRPr>
+          </a:p>
+        </p:txBody>
+      </p:sp>
     </p:spTree>
     <p:extLst>
       <p:ext uri="{BB962C8B-B14F-4D97-AF65-F5344CB8AC3E}">
